--- a/영택.pptx
+++ b/영택.pptx
@@ -5,11 +5,13 @@
     <p:sldMasterId id="2147483648" r:id="rId1"/>
   </p:sldMasterIdLst>
   <p:notesMasterIdLst>
-    <p:notesMasterId r:id="rId4"/>
+    <p:notesMasterId r:id="rId6"/>
   </p:notesMasterIdLst>
   <p:sldIdLst>
     <p:sldId id="305" r:id="rId2"/>
-    <p:sldId id="306" r:id="rId3"/>
+    <p:sldId id="307" r:id="rId3"/>
+    <p:sldId id="306" r:id="rId4"/>
+    <p:sldId id="282" r:id="rId5"/>
   </p:sldIdLst>
   <p:sldSz cx="12192000" cy="6858000"/>
   <p:notesSz cx="6858000" cy="9144000"/>
@@ -108,7 +110,24 @@
       </a:defRPr>
     </a:lvl9pPr>
   </p:defaultTextStyle>
+  <p:extLst>
+    <p:ext uri="{EFAFB233-063F-42B5-8137-9DF3F51BA10A}">
+      <p15:sldGuideLst xmlns:p15="http://schemas.microsoft.com/office/powerpoint/2012/main"/>
+    </p:ext>
+  </p:extLst>
 </p:presentation>
+</file>
+
+<file path=ppt/commentAuthors.xml><?xml version="1.0" encoding="utf-8"?>
+<p:cmAuthorLst xmlns:a="http://schemas.openxmlformats.org/drawingml/2006/main" xmlns:r="http://schemas.openxmlformats.org/officeDocument/2006/relationships" xmlns:p="http://schemas.openxmlformats.org/presentationml/2006/main">
+  <p:cmAuthor id="1" name="ICT01_14" initials="I" lastIdx="1" clrIdx="0">
+    <p:extLst>
+      <p:ext uri="{19B8F6BF-5375-455C-9EA6-DF929625EA0E}">
+        <p15:presenceInfo xmlns:p15="http://schemas.microsoft.com/office/powerpoint/2012/main" userId="ICT01_14" providerId="None"/>
+      </p:ext>
+    </p:extLst>
+  </p:cmAuthor>
+</p:cmAuthorLst>
 </file>
 
 <file path=ppt/notesMasters/notesMaster1.xml><?xml version="1.0" encoding="utf-8"?>
@@ -541,6 +560,96 @@
     <p:extLst>
       <p:ext uri="{BB962C8B-B14F-4D97-AF65-F5344CB8AC3E}">
         <p14:creationId xmlns:p14="http://schemas.microsoft.com/office/powerpoint/2010/main" val="159658605"/>
+      </p:ext>
+    </p:extLst>
+  </p:cSld>
+  <p:clrMapOvr>
+    <a:masterClrMapping/>
+  </p:clrMapOvr>
+</p:notes>
+</file>
+
+<file path=ppt/notesSlides/notesSlide2.xml><?xml version="1.0" encoding="utf-8"?>
+<p:notes xmlns:a="http://schemas.openxmlformats.org/drawingml/2006/main" xmlns:r="http://schemas.openxmlformats.org/officeDocument/2006/relationships" xmlns:p="http://schemas.openxmlformats.org/presentationml/2006/main">
+  <p:cSld>
+    <p:spTree>
+      <p:nvGrpSpPr>
+        <p:cNvPr id="1" name=""/>
+        <p:cNvGrpSpPr/>
+        <p:nvPr/>
+      </p:nvGrpSpPr>
+      <p:grpSpPr>
+        <a:xfrm>
+          <a:off x="0" y="0"/>
+          <a:ext cx="0" cy="0"/>
+          <a:chOff x="0" y="0"/>
+          <a:chExt cx="0" cy="0"/>
+        </a:xfrm>
+      </p:grpSpPr>
+      <p:sp>
+        <p:nvSpPr>
+          <p:cNvPr id="2" name="슬라이드 이미지 개체 틀 1"/>
+          <p:cNvSpPr>
+            <a:spLocks noGrp="1" noRot="1" noChangeAspect="1"/>
+          </p:cNvSpPr>
+          <p:nvPr>
+            <p:ph type="sldImg"/>
+          </p:nvPr>
+        </p:nvSpPr>
+        <p:spPr/>
+      </p:sp>
+      <p:sp>
+        <p:nvSpPr>
+          <p:cNvPr id="3" name="슬라이드 노트 개체 틀 2"/>
+          <p:cNvSpPr>
+            <a:spLocks noGrp="1"/>
+          </p:cNvSpPr>
+          <p:nvPr>
+            <p:ph type="body" idx="1"/>
+          </p:nvPr>
+        </p:nvSpPr>
+        <p:spPr/>
+        <p:txBody>
+          <a:bodyPr/>
+          <a:lstStyle/>
+          <a:p>
+            <a:endParaRPr lang="ko-KR" altLang="en-US" dirty="0"/>
+          </a:p>
+        </p:txBody>
+      </p:sp>
+      <p:sp>
+        <p:nvSpPr>
+          <p:cNvPr id="4" name="슬라이드 번호 개체 틀 3"/>
+          <p:cNvSpPr>
+            <a:spLocks noGrp="1"/>
+          </p:cNvSpPr>
+          <p:nvPr>
+            <p:ph type="sldNum" sz="quarter" idx="5"/>
+          </p:nvPr>
+        </p:nvSpPr>
+        <p:spPr/>
+        <p:txBody>
+          <a:bodyPr/>
+          <a:lstStyle/>
+          <a:p>
+            <a:pPr lvl="0">
+              <a:defRPr/>
+            </a:pPr>
+            <a:fld id="{BE5CF42D-ED76-492B-A214-1873406FBE1C}" type="slidenum">
+              <a:rPr lang="ko-KR" altLang="en-US" smtClean="0"/>
+              <a:pPr lvl="0">
+                <a:defRPr/>
+              </a:pPr>
+              <a:t>2</a:t>
+            </a:fld>
+            <a:endParaRPr lang="ko-KR" altLang="en-US"/>
+          </a:p>
+        </p:txBody>
+      </p:sp>
+    </p:spTree>
+    <p:extLst>
+      <p:ext uri="{BB962C8B-B14F-4D97-AF65-F5344CB8AC3E}">
+        <p14:creationId xmlns:p14="http://schemas.microsoft.com/office/powerpoint/2010/main" val="2382119059"/>
       </p:ext>
     </p:extLst>
   </p:cSld>
@@ -4238,120 +4347,6 @@
           </a:p>
         </p:txBody>
       </p:sp>
-      <p:sp>
-        <p:nvSpPr>
-          <p:cNvPr id="13" name="TextBox 12">
-            <a:extLst>
-              <a:ext uri="{FF2B5EF4-FFF2-40B4-BE49-F238E27FC236}">
-                <a16:creationId xmlns:a16="http://schemas.microsoft.com/office/drawing/2014/main" id="{92C5A90B-8F2F-464A-8A4B-21CE145375FE}"/>
-              </a:ext>
-            </a:extLst>
-          </p:cNvPr>
-          <p:cNvSpPr txBox="1"/>
-          <p:nvPr/>
-        </p:nvSpPr>
-        <p:spPr>
-          <a:xfrm>
-            <a:off x="6660128" y="2354948"/>
-            <a:ext cx="2571459" cy="923330"/>
-          </a:xfrm>
-          <a:prstGeom prst="rect">
-            <a:avLst/>
-          </a:prstGeom>
-          <a:solidFill>
-            <a:srgbClr val="7030A0"/>
-          </a:solidFill>
-        </p:spPr>
-        <p:txBody>
-          <a:bodyPr wrap="square" rtlCol="0">
-            <a:spAutoFit/>
-          </a:bodyPr>
-          <a:lstStyle/>
-          <a:p>
-            <a:pPr algn="ctr"/>
-            <a:r>
-              <a:rPr lang="en-US" altLang="ko-KR" b="1" dirty="0">
-                <a:solidFill>
-                  <a:schemeClr val="bg1"/>
-                </a:solidFill>
-              </a:rPr>
-              <a:t>2. VIF </a:t>
-            </a:r>
-            <a:r>
-              <a:rPr lang="ko-KR" altLang="en-US" b="1" dirty="0">
-                <a:solidFill>
-                  <a:schemeClr val="bg1"/>
-                </a:solidFill>
-              </a:rPr>
-              <a:t>지수 확인</a:t>
-            </a:r>
-            <a:endParaRPr lang="en-US" altLang="ko-KR" b="1" dirty="0">
-              <a:solidFill>
-                <a:schemeClr val="bg1"/>
-              </a:solidFill>
-            </a:endParaRPr>
-          </a:p>
-          <a:p>
-            <a:pPr algn="ctr"/>
-            <a:r>
-              <a:rPr lang="en-US" altLang="ko-KR" b="1" dirty="0">
-                <a:solidFill>
-                  <a:schemeClr val="bg1"/>
-                </a:solidFill>
-              </a:rPr>
-              <a:t>(</a:t>
-            </a:r>
-            <a:r>
-              <a:rPr lang="ko-KR" altLang="en-US" b="1" dirty="0">
-                <a:solidFill>
-                  <a:schemeClr val="bg1"/>
-                </a:solidFill>
-              </a:rPr>
-              <a:t>이거는 코드 돌려서</a:t>
-            </a:r>
-            <a:endParaRPr lang="en-US" altLang="ko-KR" b="1" dirty="0">
-              <a:solidFill>
-                <a:schemeClr val="bg1"/>
-              </a:solidFill>
-            </a:endParaRPr>
-          </a:p>
-          <a:p>
-            <a:pPr algn="ctr"/>
-            <a:r>
-              <a:rPr lang="ko-KR" altLang="en-US" b="1" dirty="0" err="1">
-                <a:solidFill>
-                  <a:schemeClr val="bg1"/>
-                </a:solidFill>
-              </a:rPr>
-              <a:t>캡쳐해서</a:t>
-            </a:r>
-            <a:r>
-              <a:rPr lang="ko-KR" altLang="en-US" b="1" dirty="0">
-                <a:solidFill>
-                  <a:schemeClr val="bg1"/>
-                </a:solidFill>
-              </a:rPr>
-              <a:t> </a:t>
-            </a:r>
-            <a:r>
-              <a:rPr lang="ko-KR" altLang="en-US" b="1" dirty="0" err="1">
-                <a:solidFill>
-                  <a:schemeClr val="bg1"/>
-                </a:solidFill>
-              </a:rPr>
-              <a:t>넣어죠</a:t>
-            </a:r>
-            <a:r>
-              <a:rPr lang="en-US" altLang="ko-KR" b="1" dirty="0">
-                <a:solidFill>
-                  <a:schemeClr val="bg1"/>
-                </a:solidFill>
-              </a:rPr>
-              <a:t>)</a:t>
-            </a:r>
-          </a:p>
-        </p:txBody>
-      </p:sp>
       <p:pic>
         <p:nvPicPr>
           <p:cNvPr id="4" name="그림 3">
@@ -4374,8 +4369,8 @@
         </p:blipFill>
         <p:spPr>
           <a:xfrm>
-            <a:off x="179899" y="3465105"/>
-            <a:ext cx="3463495" cy="3429000"/>
+            <a:off x="179899" y="1714500"/>
+            <a:ext cx="5201998" cy="5150188"/>
           </a:xfrm>
           <a:prstGeom prst="rect">
             <a:avLst/>
@@ -4404,8 +4399,8 @@
         </p:blipFill>
         <p:spPr>
           <a:xfrm>
-            <a:off x="3735179" y="3501209"/>
-            <a:ext cx="3798690" cy="3392895"/>
+            <a:off x="6402990" y="1714500"/>
+            <a:ext cx="5789010" cy="5170599"/>
           </a:xfrm>
           <a:prstGeom prst="rect">
             <a:avLst/>
@@ -4414,10 +4409,10 @@
       </p:pic>
       <p:sp>
         <p:nvSpPr>
-          <p:cNvPr id="17" name="TextBox 16">
-            <a:extLst>
-              <a:ext uri="{FF2B5EF4-FFF2-40B4-BE49-F238E27FC236}">
-                <a16:creationId xmlns:a16="http://schemas.microsoft.com/office/drawing/2014/main" id="{DF057FAD-552D-4D76-9A7A-C937B0DCD111}"/>
+          <p:cNvPr id="18" name="TextBox 17">
+            <a:extLst>
+              <a:ext uri="{FF2B5EF4-FFF2-40B4-BE49-F238E27FC236}">
+                <a16:creationId xmlns:a16="http://schemas.microsoft.com/office/drawing/2014/main" id="{AA291665-A818-4A71-9EEC-9FC666BE1A1B}"/>
               </a:ext>
             </a:extLst>
           </p:cNvPr>
@@ -4426,54 +4421,7 @@
         </p:nvSpPr>
         <p:spPr>
           <a:xfrm>
-            <a:off x="7638934" y="481692"/>
-            <a:ext cx="3205168" cy="1107996"/>
-          </a:xfrm>
-          <a:prstGeom prst="rect">
-            <a:avLst/>
-          </a:prstGeom>
-          <a:solidFill>
-            <a:schemeClr val="accent2"/>
-          </a:solidFill>
-        </p:spPr>
-        <p:txBody>
-          <a:bodyPr wrap="square" rtlCol="0">
-            <a:spAutoFit/>
-          </a:bodyPr>
-          <a:lstStyle/>
-          <a:p>
-            <a:pPr algn="ctr"/>
-            <a:r>
-              <a:rPr lang="ko-KR" altLang="en-US" sz="6600" b="1" dirty="0">
-                <a:solidFill>
-                  <a:schemeClr val="bg1"/>
-                </a:solidFill>
-              </a:rPr>
-              <a:t>영택</a:t>
-            </a:r>
-            <a:endParaRPr lang="en-US" altLang="ko-KR" sz="6600" b="1" dirty="0">
-              <a:solidFill>
-                <a:schemeClr val="bg1"/>
-              </a:solidFill>
-            </a:endParaRPr>
-          </a:p>
-        </p:txBody>
-      </p:sp>
-      <p:sp>
-        <p:nvSpPr>
-          <p:cNvPr id="18" name="TextBox 17">
-            <a:extLst>
-              <a:ext uri="{FF2B5EF4-FFF2-40B4-BE49-F238E27FC236}">
-                <a16:creationId xmlns:a16="http://schemas.microsoft.com/office/drawing/2014/main" id="{AA291665-A818-4A71-9EEC-9FC666BE1A1B}"/>
-              </a:ext>
-            </a:extLst>
-          </p:cNvPr>
-          <p:cNvSpPr txBox="1"/>
-          <p:nvPr/>
-        </p:nvSpPr>
-        <p:spPr>
-          <a:xfrm>
-            <a:off x="10056016" y="4607090"/>
+            <a:off x="5759777" y="-1536515"/>
             <a:ext cx="3205168" cy="2308324"/>
           </a:xfrm>
           <a:prstGeom prst="rect">
@@ -4721,177 +4669,6 @@
                 </a:solidFill>
               </a:rPr>
               <a:t>오렌지 도매가격</a:t>
-            </a:r>
-            <a:endParaRPr lang="en-US" altLang="ko-KR" b="1" dirty="0">
-              <a:solidFill>
-                <a:schemeClr val="bg1"/>
-              </a:solidFill>
-            </a:endParaRPr>
-          </a:p>
-        </p:txBody>
-      </p:sp>
-      <p:sp>
-        <p:nvSpPr>
-          <p:cNvPr id="19" name="TextBox 18">
-            <a:extLst>
-              <a:ext uri="{FF2B5EF4-FFF2-40B4-BE49-F238E27FC236}">
-                <a16:creationId xmlns:a16="http://schemas.microsoft.com/office/drawing/2014/main" id="{35E9476E-2E29-4A35-9C30-3CF4C21A4B57}"/>
-              </a:ext>
-            </a:extLst>
-          </p:cNvPr>
-          <p:cNvSpPr txBox="1"/>
-          <p:nvPr/>
-        </p:nvSpPr>
-        <p:spPr>
-          <a:xfrm>
-            <a:off x="1159024" y="4291443"/>
-            <a:ext cx="4365071" cy="646331"/>
-          </a:xfrm>
-          <a:prstGeom prst="rect">
-            <a:avLst/>
-          </a:prstGeom>
-          <a:solidFill>
-            <a:srgbClr val="7030A0"/>
-          </a:solidFill>
-        </p:spPr>
-        <p:txBody>
-          <a:bodyPr wrap="square" rtlCol="0">
-            <a:spAutoFit/>
-          </a:bodyPr>
-          <a:lstStyle/>
-          <a:p>
-            <a:pPr marL="342900" indent="-342900" algn="ctr">
-              <a:buAutoNum type="arabicPeriod"/>
-            </a:pPr>
-            <a:r>
-              <a:rPr lang="ko-KR" altLang="en-US" b="1" dirty="0">
-                <a:solidFill>
-                  <a:schemeClr val="bg1"/>
-                </a:solidFill>
-              </a:rPr>
-              <a:t>다중 공선성 확인 </a:t>
-            </a:r>
-            <a:r>
-              <a:rPr lang="en-US" altLang="ko-KR" b="1" dirty="0">
-                <a:solidFill>
-                  <a:schemeClr val="bg1"/>
-                </a:solidFill>
-              </a:rPr>
-              <a:t>(A/B)</a:t>
-            </a:r>
-          </a:p>
-          <a:p>
-            <a:pPr algn="ctr"/>
-            <a:r>
-              <a:rPr lang="en-US" altLang="ko-KR" b="1" dirty="0" err="1">
-                <a:solidFill>
-                  <a:schemeClr val="bg1"/>
-                </a:solidFill>
-              </a:rPr>
-              <a:t>Pairplot</a:t>
-            </a:r>
-            <a:r>
-              <a:rPr lang="en-US" altLang="ko-KR" b="1" dirty="0">
-                <a:solidFill>
-                  <a:schemeClr val="bg1"/>
-                </a:solidFill>
-              </a:rPr>
-              <a:t>, heatmap</a:t>
-            </a:r>
-            <a:r>
-              <a:rPr lang="ko-KR" altLang="en-US" b="1" dirty="0">
-                <a:solidFill>
-                  <a:schemeClr val="bg1"/>
-                </a:solidFill>
-              </a:rPr>
-              <a:t>으로 </a:t>
-            </a:r>
-            <a:r>
-              <a:rPr lang="ko-KR" altLang="en-US" b="1" dirty="0" err="1">
-                <a:solidFill>
-                  <a:schemeClr val="bg1"/>
-                </a:solidFill>
-              </a:rPr>
-              <a:t>시각화하여</a:t>
-            </a:r>
-            <a:r>
-              <a:rPr lang="ko-KR" altLang="en-US" b="1" dirty="0">
-                <a:solidFill>
-                  <a:schemeClr val="bg1"/>
-                </a:solidFill>
-              </a:rPr>
-              <a:t> 확인</a:t>
-            </a:r>
-            <a:endParaRPr lang="en-US" altLang="ko-KR" b="1" dirty="0">
-              <a:solidFill>
-                <a:schemeClr val="bg1"/>
-              </a:solidFill>
-            </a:endParaRPr>
-          </a:p>
-        </p:txBody>
-      </p:sp>
-      <p:sp>
-        <p:nvSpPr>
-          <p:cNvPr id="21" name="TextBox 20">
-            <a:extLst>
-              <a:ext uri="{FF2B5EF4-FFF2-40B4-BE49-F238E27FC236}">
-                <a16:creationId xmlns:a16="http://schemas.microsoft.com/office/drawing/2014/main" id="{5ADD0CDC-9CD6-4B5D-AD8E-2B5342D3DA9B}"/>
-              </a:ext>
-            </a:extLst>
-          </p:cNvPr>
-          <p:cNvSpPr txBox="1"/>
-          <p:nvPr/>
-        </p:nvSpPr>
-        <p:spPr>
-          <a:xfrm>
-            <a:off x="9898743" y="3093612"/>
-            <a:ext cx="3205168" cy="369332"/>
-          </a:xfrm>
-          <a:prstGeom prst="rect">
-            <a:avLst/>
-          </a:prstGeom>
-          <a:solidFill>
-            <a:srgbClr val="7030A0"/>
-          </a:solidFill>
-        </p:spPr>
-        <p:txBody>
-          <a:bodyPr wrap="square" rtlCol="0">
-            <a:spAutoFit/>
-          </a:bodyPr>
-          <a:lstStyle/>
-          <a:p>
-            <a:pPr algn="ctr"/>
-            <a:r>
-              <a:rPr lang="en-US" altLang="ko-KR" b="1" dirty="0">
-                <a:solidFill>
-                  <a:schemeClr val="bg1"/>
-                </a:solidFill>
-              </a:rPr>
-              <a:t>3.</a:t>
-            </a:r>
-            <a:r>
-              <a:rPr lang="ko-KR" altLang="en-US" b="1" dirty="0">
-                <a:solidFill>
-                  <a:schemeClr val="bg1"/>
-                </a:solidFill>
-              </a:rPr>
-              <a:t> </a:t>
-            </a:r>
-            <a:r>
-              <a:rPr lang="en-US" altLang="ko-KR" b="1" dirty="0">
-                <a:solidFill>
-                  <a:schemeClr val="bg1"/>
-                </a:solidFill>
-              </a:rPr>
-              <a:t>FRE</a:t>
-            </a:r>
-            <a:r>
-              <a:rPr lang="ko-KR" altLang="en-US" b="1" dirty="0">
-                <a:solidFill>
-                  <a:schemeClr val="bg1"/>
-                </a:solidFill>
-              </a:rPr>
-              <a:t>로 주요 변수 추출</a:t>
             </a:r>
             <a:endParaRPr lang="en-US" altLang="ko-KR" b="1" dirty="0">
               <a:solidFill>
@@ -5383,6 +5160,1137 @@
                 <a:ea typeface="HY견고딕" panose="02030600000101010101" pitchFamily="18" charset="-127"/>
                 <a:cs typeface="조선일보명조" panose="02030304000000000000" pitchFamily="18" charset="-127"/>
               </a:rPr>
+              <a:t>변수 선택</a:t>
+            </a:r>
+            <a:endParaRPr lang="en-US" altLang="ko-KR" sz="2000" dirty="0">
+              <a:ln>
+                <a:solidFill>
+                  <a:schemeClr val="tx1">
+                    <a:lumMod val="75000"/>
+                    <a:lumOff val="25000"/>
+                    <a:alpha val="70000"/>
+                  </a:schemeClr>
+                </a:solidFill>
+              </a:ln>
+              <a:solidFill>
+                <a:schemeClr val="tx1">
+                  <a:lumMod val="65000"/>
+                  <a:lumOff val="35000"/>
+                </a:schemeClr>
+              </a:solidFill>
+              <a:latin typeface="HY견고딕" panose="02030600000101010101" pitchFamily="18" charset="-127"/>
+              <a:ea typeface="HY견고딕" panose="02030600000101010101" pitchFamily="18" charset="-127"/>
+              <a:cs typeface="조선일보명조" panose="02030304000000000000" pitchFamily="18" charset="-127"/>
+            </a:endParaRPr>
+          </a:p>
+        </p:txBody>
+      </p:sp>
+      <p:sp>
+        <p:nvSpPr>
+          <p:cNvPr id="13" name="TextBox 12">
+            <a:extLst>
+              <a:ext uri="{FF2B5EF4-FFF2-40B4-BE49-F238E27FC236}">
+                <a16:creationId xmlns:a16="http://schemas.microsoft.com/office/drawing/2014/main" id="{92C5A90B-8F2F-464A-8A4B-21CE145375FE}"/>
+              </a:ext>
+            </a:extLst>
+          </p:cNvPr>
+          <p:cNvSpPr txBox="1"/>
+          <p:nvPr/>
+        </p:nvSpPr>
+        <p:spPr>
+          <a:xfrm>
+            <a:off x="5567536" y="905332"/>
+            <a:ext cx="2571459" cy="923330"/>
+          </a:xfrm>
+          <a:prstGeom prst="rect">
+            <a:avLst/>
+          </a:prstGeom>
+          <a:solidFill>
+            <a:srgbClr val="7030A0"/>
+          </a:solidFill>
+        </p:spPr>
+        <p:txBody>
+          <a:bodyPr wrap="square" rtlCol="0">
+            <a:spAutoFit/>
+          </a:bodyPr>
+          <a:lstStyle/>
+          <a:p>
+            <a:pPr algn="ctr"/>
+            <a:r>
+              <a:rPr lang="en-US" altLang="ko-KR" b="1" dirty="0">
+                <a:solidFill>
+                  <a:schemeClr val="bg1"/>
+                </a:solidFill>
+              </a:rPr>
+              <a:t>2. VIF </a:t>
+            </a:r>
+            <a:r>
+              <a:rPr lang="ko-KR" altLang="en-US" b="1" dirty="0">
+                <a:solidFill>
+                  <a:schemeClr val="bg1"/>
+                </a:solidFill>
+              </a:rPr>
+              <a:t>지수 확인</a:t>
+            </a:r>
+            <a:endParaRPr lang="en-US" altLang="ko-KR" b="1" dirty="0">
+              <a:solidFill>
+                <a:schemeClr val="bg1"/>
+              </a:solidFill>
+            </a:endParaRPr>
+          </a:p>
+          <a:p>
+            <a:pPr algn="ctr"/>
+            <a:r>
+              <a:rPr lang="en-US" altLang="ko-KR" b="1" dirty="0">
+                <a:solidFill>
+                  <a:schemeClr val="bg1"/>
+                </a:solidFill>
+              </a:rPr>
+              <a:t>(</a:t>
+            </a:r>
+            <a:r>
+              <a:rPr lang="ko-KR" altLang="en-US" b="1" dirty="0">
+                <a:solidFill>
+                  <a:schemeClr val="bg1"/>
+                </a:solidFill>
+              </a:rPr>
+              <a:t>이거는 코드 돌려서</a:t>
+            </a:r>
+            <a:endParaRPr lang="en-US" altLang="ko-KR" b="1" dirty="0">
+              <a:solidFill>
+                <a:schemeClr val="bg1"/>
+              </a:solidFill>
+            </a:endParaRPr>
+          </a:p>
+          <a:p>
+            <a:pPr algn="ctr"/>
+            <a:r>
+              <a:rPr lang="ko-KR" altLang="en-US" b="1" dirty="0" err="1">
+                <a:solidFill>
+                  <a:schemeClr val="bg1"/>
+                </a:solidFill>
+              </a:rPr>
+              <a:t>캡쳐해서</a:t>
+            </a:r>
+            <a:r>
+              <a:rPr lang="ko-KR" altLang="en-US" b="1" dirty="0">
+                <a:solidFill>
+                  <a:schemeClr val="bg1"/>
+                </a:solidFill>
+              </a:rPr>
+              <a:t> </a:t>
+            </a:r>
+            <a:r>
+              <a:rPr lang="ko-KR" altLang="en-US" b="1" dirty="0" err="1">
+                <a:solidFill>
+                  <a:schemeClr val="bg1"/>
+                </a:solidFill>
+              </a:rPr>
+              <a:t>넣어죠</a:t>
+            </a:r>
+            <a:r>
+              <a:rPr lang="en-US" altLang="ko-KR" b="1" dirty="0">
+                <a:solidFill>
+                  <a:schemeClr val="bg1"/>
+                </a:solidFill>
+              </a:rPr>
+              <a:t>)</a:t>
+            </a:r>
+          </a:p>
+        </p:txBody>
+      </p:sp>
+      <p:sp>
+        <p:nvSpPr>
+          <p:cNvPr id="18" name="TextBox 17">
+            <a:extLst>
+              <a:ext uri="{FF2B5EF4-FFF2-40B4-BE49-F238E27FC236}">
+                <a16:creationId xmlns:a16="http://schemas.microsoft.com/office/drawing/2014/main" id="{AA291665-A818-4A71-9EEC-9FC666BE1A1B}"/>
+              </a:ext>
+            </a:extLst>
+          </p:cNvPr>
+          <p:cNvSpPr txBox="1"/>
+          <p:nvPr/>
+        </p:nvSpPr>
+        <p:spPr>
+          <a:xfrm>
+            <a:off x="4524398" y="4356685"/>
+            <a:ext cx="4053005" cy="2308324"/>
+          </a:xfrm>
+          <a:prstGeom prst="rect">
+            <a:avLst/>
+          </a:prstGeom>
+          <a:solidFill>
+            <a:srgbClr val="7030A0"/>
+          </a:solidFill>
+        </p:spPr>
+        <p:txBody>
+          <a:bodyPr wrap="square" rtlCol="0">
+            <a:spAutoFit/>
+          </a:bodyPr>
+          <a:lstStyle/>
+          <a:p>
+            <a:pPr algn="ctr"/>
+            <a:r>
+              <a:rPr lang="ko-KR" altLang="en-US" b="1" dirty="0">
+                <a:solidFill>
+                  <a:schemeClr val="bg1"/>
+                </a:solidFill>
+              </a:rPr>
+              <a:t>총 </a:t>
+            </a:r>
+            <a:r>
+              <a:rPr lang="en-US" altLang="ko-KR" b="1" dirty="0">
+                <a:solidFill>
+                  <a:schemeClr val="bg1"/>
+                </a:solidFill>
+              </a:rPr>
+              <a:t>13</a:t>
+            </a:r>
+            <a:r>
+              <a:rPr lang="ko-KR" altLang="en-US" b="1" dirty="0">
+                <a:solidFill>
+                  <a:schemeClr val="bg1"/>
+                </a:solidFill>
+              </a:rPr>
+              <a:t>개중 </a:t>
+            </a:r>
+            <a:r>
+              <a:rPr lang="en-US" altLang="ko-KR" b="1" dirty="0">
+                <a:solidFill>
+                  <a:schemeClr val="bg1"/>
+                </a:solidFill>
+              </a:rPr>
+              <a:t>7</a:t>
+            </a:r>
+            <a:r>
+              <a:rPr lang="ko-KR" altLang="en-US" b="1" dirty="0">
+                <a:solidFill>
+                  <a:schemeClr val="bg1"/>
+                </a:solidFill>
+              </a:rPr>
+              <a:t>개</a:t>
+            </a:r>
+            <a:endParaRPr lang="en-US" altLang="ko-KR" b="1" dirty="0">
+              <a:solidFill>
+                <a:schemeClr val="bg1"/>
+              </a:solidFill>
+            </a:endParaRPr>
+          </a:p>
+          <a:p>
+            <a:pPr algn="ctr"/>
+            <a:r>
+              <a:rPr lang="en-US" altLang="ko-KR" b="1" dirty="0">
+                <a:solidFill>
+                  <a:schemeClr val="bg1"/>
+                </a:solidFill>
+              </a:rPr>
+              <a:t>- </a:t>
+            </a:r>
+            <a:r>
+              <a:rPr lang="ko-KR" altLang="en-US" b="1" dirty="0">
+                <a:solidFill>
+                  <a:schemeClr val="bg1"/>
+                </a:solidFill>
+              </a:rPr>
+              <a:t>인당 과일 소비량</a:t>
+            </a:r>
+            <a:endParaRPr lang="en-US" altLang="ko-KR" b="1" dirty="0">
+              <a:solidFill>
+                <a:schemeClr val="bg1"/>
+              </a:solidFill>
+            </a:endParaRPr>
+          </a:p>
+          <a:p>
+            <a:pPr marL="285750" indent="-285750" algn="ctr">
+              <a:buFontTx/>
+              <a:buChar char="-"/>
+            </a:pPr>
+            <a:r>
+              <a:rPr lang="ko-KR" altLang="en-US" b="1" dirty="0">
+                <a:solidFill>
+                  <a:schemeClr val="bg1"/>
+                </a:solidFill>
+              </a:rPr>
+              <a:t>인당 수입 과일 소비량</a:t>
+            </a:r>
+            <a:endParaRPr lang="en-US" altLang="ko-KR" b="1" dirty="0">
+              <a:solidFill>
+                <a:schemeClr val="bg1"/>
+              </a:solidFill>
+            </a:endParaRPr>
+          </a:p>
+          <a:p>
+            <a:pPr marL="285750" indent="-285750" algn="ctr">
+              <a:buFontTx/>
+              <a:buChar char="-"/>
+            </a:pPr>
+            <a:r>
+              <a:rPr lang="en-US" altLang="ko-KR" b="1" dirty="0">
+                <a:solidFill>
+                  <a:schemeClr val="bg1"/>
+                </a:solidFill>
+              </a:rPr>
+              <a:t>1</a:t>
+            </a:r>
+            <a:r>
+              <a:rPr lang="ko-KR" altLang="en-US" b="1" dirty="0" err="1">
+                <a:solidFill>
+                  <a:schemeClr val="bg1"/>
+                </a:solidFill>
+              </a:rPr>
+              <a:t>인가구</a:t>
+            </a:r>
+            <a:r>
+              <a:rPr lang="ko-KR" altLang="en-US" b="1" dirty="0">
+                <a:solidFill>
+                  <a:schemeClr val="bg1"/>
+                </a:solidFill>
+              </a:rPr>
+              <a:t> 비율</a:t>
+            </a:r>
+            <a:endParaRPr lang="en-US" altLang="ko-KR" b="1" dirty="0">
+              <a:solidFill>
+                <a:schemeClr val="bg1"/>
+              </a:solidFill>
+            </a:endParaRPr>
+          </a:p>
+          <a:p>
+            <a:pPr marL="285750" indent="-285750" algn="ctr">
+              <a:buFontTx/>
+              <a:buChar char="-"/>
+            </a:pPr>
+            <a:r>
+              <a:rPr lang="ko-KR" altLang="en-US" b="1" dirty="0">
+                <a:solidFill>
+                  <a:schemeClr val="bg1"/>
+                </a:solidFill>
+              </a:rPr>
+              <a:t>수입 개방화율</a:t>
+            </a:r>
+            <a:r>
+              <a:rPr lang="en-US" altLang="ko-KR" b="1" dirty="0">
+                <a:solidFill>
+                  <a:schemeClr val="bg1"/>
+                </a:solidFill>
+              </a:rPr>
+              <a:t>(</a:t>
+            </a:r>
+            <a:r>
+              <a:rPr lang="ko-KR" altLang="en-US" b="1" dirty="0">
+                <a:solidFill>
+                  <a:schemeClr val="bg1"/>
+                </a:solidFill>
+              </a:rPr>
+              <a:t>신선</a:t>
+            </a:r>
+            <a:r>
+              <a:rPr lang="en-US" altLang="ko-KR" b="1" dirty="0">
+                <a:solidFill>
+                  <a:schemeClr val="bg1"/>
+                </a:solidFill>
+              </a:rPr>
+              <a:t>)</a:t>
+            </a:r>
+          </a:p>
+          <a:p>
+            <a:pPr marL="285750" indent="-285750" algn="ctr">
+              <a:buFontTx/>
+              <a:buChar char="-"/>
+            </a:pPr>
+            <a:r>
+              <a:rPr lang="ko-KR" altLang="en-US" b="1" dirty="0">
+                <a:solidFill>
+                  <a:schemeClr val="bg1"/>
+                </a:solidFill>
+              </a:rPr>
+              <a:t>수입 개방화율</a:t>
+            </a:r>
+            <a:r>
+              <a:rPr lang="en-US" altLang="ko-KR" b="1" dirty="0">
+                <a:solidFill>
+                  <a:schemeClr val="bg1"/>
+                </a:solidFill>
+              </a:rPr>
+              <a:t>(</a:t>
+            </a:r>
+            <a:r>
+              <a:rPr lang="ko-KR" altLang="en-US" b="1" dirty="0">
+                <a:solidFill>
+                  <a:schemeClr val="bg1"/>
+                </a:solidFill>
+              </a:rPr>
+              <a:t>가공</a:t>
+            </a:r>
+            <a:r>
+              <a:rPr lang="en-US" altLang="ko-KR" b="1" dirty="0">
+                <a:solidFill>
+                  <a:schemeClr val="bg1"/>
+                </a:solidFill>
+              </a:rPr>
+              <a:t>)</a:t>
+            </a:r>
+          </a:p>
+          <a:p>
+            <a:pPr marL="285750" indent="-285750" algn="ctr">
+              <a:buFontTx/>
+              <a:buChar char="-"/>
+            </a:pPr>
+            <a:r>
+              <a:rPr lang="ko-KR" altLang="en-US" b="1" dirty="0">
+                <a:solidFill>
+                  <a:schemeClr val="bg1"/>
+                </a:solidFill>
+              </a:rPr>
+              <a:t>감귤 도매가격</a:t>
+            </a:r>
+            <a:endParaRPr lang="en-US" altLang="ko-KR" b="1" dirty="0">
+              <a:solidFill>
+                <a:schemeClr val="bg1"/>
+              </a:solidFill>
+            </a:endParaRPr>
+          </a:p>
+          <a:p>
+            <a:pPr marL="285750" indent="-285750" algn="ctr">
+              <a:buFontTx/>
+              <a:buChar char="-"/>
+            </a:pPr>
+            <a:r>
+              <a:rPr lang="ko-KR" altLang="en-US" b="1" dirty="0">
+                <a:solidFill>
+                  <a:schemeClr val="bg1"/>
+                </a:solidFill>
+              </a:rPr>
+              <a:t>오렌지 도매가격</a:t>
+            </a:r>
+            <a:endParaRPr lang="en-US" altLang="ko-KR" b="1" dirty="0">
+              <a:solidFill>
+                <a:schemeClr val="bg1"/>
+              </a:solidFill>
+            </a:endParaRPr>
+          </a:p>
+        </p:txBody>
+      </p:sp>
+      <p:sp>
+        <p:nvSpPr>
+          <p:cNvPr id="21" name="TextBox 20">
+            <a:extLst>
+              <a:ext uri="{FF2B5EF4-FFF2-40B4-BE49-F238E27FC236}">
+                <a16:creationId xmlns:a16="http://schemas.microsoft.com/office/drawing/2014/main" id="{5ADD0CDC-9CD6-4B5D-AD8E-2B5342D3DA9B}"/>
+              </a:ext>
+            </a:extLst>
+          </p:cNvPr>
+          <p:cNvSpPr txBox="1"/>
+          <p:nvPr/>
+        </p:nvSpPr>
+        <p:spPr>
+          <a:xfrm>
+            <a:off x="1057153" y="2684640"/>
+            <a:ext cx="3205168" cy="646331"/>
+          </a:xfrm>
+          <a:prstGeom prst="rect">
+            <a:avLst/>
+          </a:prstGeom>
+          <a:solidFill>
+            <a:srgbClr val="7030A0"/>
+          </a:solidFill>
+        </p:spPr>
+        <p:txBody>
+          <a:bodyPr wrap="square" rtlCol="0">
+            <a:spAutoFit/>
+          </a:bodyPr>
+          <a:lstStyle/>
+          <a:p>
+            <a:pPr algn="ctr"/>
+            <a:r>
+              <a:rPr lang="en-US" altLang="ko-KR" b="1" dirty="0">
+                <a:solidFill>
+                  <a:schemeClr val="bg1"/>
+                </a:solidFill>
+              </a:rPr>
+              <a:t>3.</a:t>
+            </a:r>
+            <a:r>
+              <a:rPr lang="ko-KR" altLang="en-US" b="1" dirty="0">
+                <a:solidFill>
+                  <a:schemeClr val="bg1"/>
+                </a:solidFill>
+              </a:rPr>
+              <a:t> </a:t>
+            </a:r>
+            <a:r>
+              <a:rPr lang="en-US" altLang="ko-KR" b="1" dirty="0">
+                <a:solidFill>
+                  <a:schemeClr val="bg1"/>
+                </a:solidFill>
+              </a:rPr>
+              <a:t>RFE</a:t>
+            </a:r>
+            <a:r>
+              <a:rPr lang="ko-KR" altLang="en-US" b="1" dirty="0">
+                <a:solidFill>
+                  <a:schemeClr val="bg1"/>
+                </a:solidFill>
+              </a:rPr>
+              <a:t>로 주요 변수 추출</a:t>
+            </a:r>
+            <a:endParaRPr lang="en-US" altLang="ko-KR" b="1" dirty="0">
+              <a:solidFill>
+                <a:schemeClr val="bg1"/>
+              </a:solidFill>
+            </a:endParaRPr>
+          </a:p>
+          <a:p>
+            <a:pPr algn="ctr"/>
+            <a:endParaRPr lang="en-US" altLang="ko-KR" b="1" dirty="0">
+              <a:solidFill>
+                <a:schemeClr val="bg1"/>
+              </a:solidFill>
+            </a:endParaRPr>
+          </a:p>
+        </p:txBody>
+      </p:sp>
+      <p:sp>
+        <p:nvSpPr>
+          <p:cNvPr id="3" name="TextBox 2">
+            <a:extLst>
+              <a:ext uri="{FF2B5EF4-FFF2-40B4-BE49-F238E27FC236}">
+                <a16:creationId xmlns:a16="http://schemas.microsoft.com/office/drawing/2014/main" id="{3B4A48CF-ACBE-4D05-9895-B829E2135784}"/>
+              </a:ext>
+            </a:extLst>
+          </p:cNvPr>
+          <p:cNvSpPr txBox="1"/>
+          <p:nvPr/>
+        </p:nvSpPr>
+        <p:spPr>
+          <a:xfrm>
+            <a:off x="464457" y="6862603"/>
+            <a:ext cx="10081606" cy="1200329"/>
+          </a:xfrm>
+          <a:prstGeom prst="rect">
+            <a:avLst/>
+          </a:prstGeom>
+          <a:noFill/>
+        </p:spPr>
+        <p:txBody>
+          <a:bodyPr wrap="none" rtlCol="0">
+            <a:spAutoFit/>
+          </a:bodyPr>
+          <a:lstStyle/>
+          <a:p>
+            <a:r>
+              <a:rPr lang="en-US" altLang="ko-KR" dirty="0"/>
+              <a:t>VIF</a:t>
+            </a:r>
+            <a:r>
+              <a:rPr lang="ko-KR" altLang="en-US" dirty="0"/>
+              <a:t>가 </a:t>
+            </a:r>
+            <a:r>
+              <a:rPr lang="en-US" altLang="ko-KR" dirty="0"/>
+              <a:t>10</a:t>
+            </a:r>
+            <a:r>
+              <a:rPr lang="ko-KR" altLang="en-US" dirty="0"/>
+              <a:t>이 넘으면 다중 공선성 있다고 판단하며 </a:t>
+            </a:r>
+            <a:r>
+              <a:rPr lang="en-US" altLang="ko-KR" dirty="0"/>
+              <a:t>5</a:t>
+            </a:r>
+            <a:r>
+              <a:rPr lang="ko-KR" altLang="en-US" dirty="0"/>
+              <a:t>가 넘으면 주의할 필요가 있는 것으로 봅니다</a:t>
+            </a:r>
+            <a:r>
+              <a:rPr lang="en-US" altLang="ko-KR" dirty="0"/>
+              <a:t>. </a:t>
+            </a:r>
+          </a:p>
+          <a:p>
+            <a:r>
+              <a:rPr lang="ko-KR" altLang="en-US" dirty="0"/>
+              <a:t>독립 변수 </a:t>
+            </a:r>
+            <a:r>
+              <a:rPr lang="en-US" altLang="ko-KR" dirty="0"/>
+              <a:t>a</a:t>
+            </a:r>
+            <a:r>
+              <a:rPr lang="ko-KR" altLang="en-US" dirty="0"/>
+              <a:t>와 </a:t>
+            </a:r>
+            <a:r>
+              <a:rPr lang="en-US" altLang="ko-KR" dirty="0"/>
+              <a:t>b</a:t>
+            </a:r>
+            <a:r>
+              <a:rPr lang="ko-KR" altLang="en-US" dirty="0"/>
+              <a:t>가 서로 상관 관계가 있다고 했을 때 두 변수 모두 </a:t>
+            </a:r>
+            <a:r>
+              <a:rPr lang="en-US" altLang="ko-KR" dirty="0"/>
+              <a:t>VIF</a:t>
+            </a:r>
+            <a:r>
+              <a:rPr lang="ko-KR" altLang="en-US" dirty="0"/>
+              <a:t>가 높습니다</a:t>
+            </a:r>
+            <a:r>
+              <a:rPr lang="en-US" altLang="ko-KR" dirty="0"/>
+              <a:t>. </a:t>
+            </a:r>
+          </a:p>
+          <a:p>
+            <a:r>
+              <a:rPr lang="ko-KR" altLang="en-US" dirty="0"/>
+              <a:t>어느 하나만 </a:t>
+            </a:r>
+            <a:r>
+              <a:rPr lang="en-US" altLang="ko-KR" dirty="0"/>
+              <a:t>VIF</a:t>
+            </a:r>
+            <a:r>
+              <a:rPr lang="ko-KR" altLang="en-US" dirty="0"/>
+              <a:t>가 높은 경우는 없습니다</a:t>
+            </a:r>
+            <a:r>
+              <a:rPr lang="en-US" altLang="ko-KR" dirty="0"/>
+              <a:t>. </a:t>
+            </a:r>
+          </a:p>
+          <a:p>
+            <a:r>
+              <a:rPr lang="ko-KR" altLang="en-US" dirty="0"/>
+              <a:t>박수도 오른손과 왼손이 있어야 칠 수 있듯이 서로 연관 있는 변수끼리 </a:t>
+            </a:r>
+            <a:r>
+              <a:rPr lang="en-US" altLang="ko-KR" dirty="0"/>
+              <a:t>VIF</a:t>
+            </a:r>
+            <a:r>
+              <a:rPr lang="ko-KR" altLang="en-US" dirty="0"/>
+              <a:t>가 높습니다</a:t>
+            </a:r>
+            <a:r>
+              <a:rPr lang="en-US" altLang="ko-KR" dirty="0"/>
+              <a:t>. </a:t>
+            </a:r>
+            <a:endParaRPr lang="ko-KR" altLang="en-US" dirty="0"/>
+          </a:p>
+        </p:txBody>
+      </p:sp>
+      <p:pic>
+        <p:nvPicPr>
+          <p:cNvPr id="5" name="그림 4">
+            <a:extLst>
+              <a:ext uri="{FF2B5EF4-FFF2-40B4-BE49-F238E27FC236}">
+                <a16:creationId xmlns:a16="http://schemas.microsoft.com/office/drawing/2014/main" id="{C39BF244-7F66-4CFC-9D94-94B57A159F1C}"/>
+              </a:ext>
+            </a:extLst>
+          </p:cNvPr>
+          <p:cNvPicPr>
+            <a:picLocks noChangeAspect="1"/>
+          </p:cNvPicPr>
+          <p:nvPr/>
+        </p:nvPicPr>
+        <p:blipFill>
+          <a:blip r:embed="rId3"/>
+          <a:stretch>
+            <a:fillRect/>
+          </a:stretch>
+        </p:blipFill>
+        <p:spPr>
+          <a:xfrm>
+            <a:off x="8577403" y="2534435"/>
+            <a:ext cx="2722803" cy="4130574"/>
+          </a:xfrm>
+          <a:prstGeom prst="rect">
+            <a:avLst/>
+          </a:prstGeom>
+        </p:spPr>
+      </p:pic>
+    </p:spTree>
+    <p:extLst>
+      <p:ext uri="{BB962C8B-B14F-4D97-AF65-F5344CB8AC3E}">
+        <p14:creationId xmlns:p14="http://schemas.microsoft.com/office/powerpoint/2010/main" val="573243509"/>
+      </p:ext>
+    </p:extLst>
+  </p:cSld>
+  <p:clrMapOvr>
+    <a:masterClrMapping/>
+  </p:clrMapOvr>
+  <p:transition spd="slow">
+    <p:push dir="u"/>
+  </p:transition>
+</p:sld>
+</file>
+
+<file path=ppt/slides/slide3.xml><?xml version="1.0" encoding="utf-8"?>
+<p:sld xmlns:a="http://schemas.openxmlformats.org/drawingml/2006/main" xmlns:r="http://schemas.openxmlformats.org/officeDocument/2006/relationships" xmlns:p="http://schemas.openxmlformats.org/presentationml/2006/main">
+  <p:cSld>
+    <p:spTree>
+      <p:nvGrpSpPr>
+        <p:cNvPr id="1" name=""/>
+        <p:cNvGrpSpPr/>
+        <p:nvPr/>
+      </p:nvGrpSpPr>
+      <p:grpSpPr>
+        <a:xfrm>
+          <a:off x="0" y="0"/>
+          <a:ext cx="0" cy="0"/>
+          <a:chOff x="0" y="0"/>
+          <a:chExt cx="0" cy="0"/>
+        </a:xfrm>
+      </p:grpSpPr>
+      <p:grpSp>
+        <p:nvGrpSpPr>
+          <p:cNvPr id="25" name="그룹 24">
+            <a:extLst>
+              <a:ext uri="{FF2B5EF4-FFF2-40B4-BE49-F238E27FC236}">
+                <a16:creationId xmlns:a16="http://schemas.microsoft.com/office/drawing/2014/main" id="{9415BF50-4338-4977-89E7-B9BD3F735145}"/>
+              </a:ext>
+            </a:extLst>
+          </p:cNvPr>
+          <p:cNvGrpSpPr/>
+          <p:nvPr/>
+        </p:nvGrpSpPr>
+        <p:grpSpPr>
+          <a:xfrm>
+            <a:off x="406401" y="-38000"/>
+            <a:ext cx="7895934" cy="1862048"/>
+            <a:chOff x="43544" y="-114790"/>
+            <a:chExt cx="7895934" cy="1862048"/>
+          </a:xfrm>
+        </p:grpSpPr>
+        <p:grpSp>
+          <p:nvGrpSpPr>
+            <p:cNvPr id="26" name="그룹 25">
+              <a:extLst>
+                <a:ext uri="{FF2B5EF4-FFF2-40B4-BE49-F238E27FC236}">
+                  <a16:creationId xmlns:a16="http://schemas.microsoft.com/office/drawing/2014/main" id="{A746785D-357E-45F8-9D01-C3ED5DD3C81A}"/>
+                </a:ext>
+              </a:extLst>
+            </p:cNvPr>
+            <p:cNvGrpSpPr/>
+            <p:nvPr/>
+          </p:nvGrpSpPr>
+          <p:grpSpPr>
+            <a:xfrm>
+              <a:off x="43544" y="1290207"/>
+              <a:ext cx="1611086" cy="277336"/>
+              <a:chOff x="101600" y="1867251"/>
+              <a:chExt cx="1759045" cy="215728"/>
+            </a:xfrm>
+          </p:grpSpPr>
+          <p:sp>
+            <p:nvSpPr>
+              <p:cNvPr id="32" name="직사각형 31">
+                <a:extLst>
+                  <a:ext uri="{FF2B5EF4-FFF2-40B4-BE49-F238E27FC236}">
+                    <a16:creationId xmlns:a16="http://schemas.microsoft.com/office/drawing/2014/main" id="{424003B5-35E3-4B2E-9E5C-8781DF1B928F}"/>
+                  </a:ext>
+                </a:extLst>
+              </p:cNvPr>
+              <p:cNvSpPr/>
+              <p:nvPr/>
+            </p:nvSpPr>
+            <p:spPr>
+              <a:xfrm>
+                <a:off x="218520" y="1900860"/>
+                <a:ext cx="1642125" cy="182119"/>
+              </a:xfrm>
+              <a:prstGeom prst="rect">
+                <a:avLst/>
+              </a:prstGeom>
+              <a:solidFill>
+                <a:srgbClr val="FF6600">
+                  <a:alpha val="75000"/>
+                </a:srgbClr>
+              </a:solidFill>
+              <a:ln>
+                <a:noFill/>
+              </a:ln>
+            </p:spPr>
+            <p:style>
+              <a:lnRef idx="2">
+                <a:schemeClr val="accent1">
+                  <a:shade val="50000"/>
+                </a:schemeClr>
+              </a:lnRef>
+              <a:fillRef idx="1">
+                <a:schemeClr val="accent1"/>
+              </a:fillRef>
+              <a:effectRef idx="0">
+                <a:schemeClr val="accent1"/>
+              </a:effectRef>
+              <a:fontRef idx="minor">
+                <a:schemeClr val="lt1"/>
+              </a:fontRef>
+            </p:style>
+            <p:txBody>
+              <a:bodyPr rtlCol="0" anchor="ctr"/>
+              <a:lstStyle/>
+              <a:p>
+                <a:pPr algn="ctr"/>
+                <a:endParaRPr lang="ko-KR" altLang="en-US">
+                  <a:latin typeface="Impact" panose="020B0806030902050204" pitchFamily="34" charset="0"/>
+                </a:endParaRPr>
+              </a:p>
+            </p:txBody>
+          </p:sp>
+          <p:sp>
+            <p:nvSpPr>
+              <p:cNvPr id="33" name="직사각형 32">
+                <a:extLst>
+                  <a:ext uri="{FF2B5EF4-FFF2-40B4-BE49-F238E27FC236}">
+                    <a16:creationId xmlns:a16="http://schemas.microsoft.com/office/drawing/2014/main" id="{44D38D40-E6C8-469F-A884-8C56F583AAB5}"/>
+                  </a:ext>
+                </a:extLst>
+              </p:cNvPr>
+              <p:cNvSpPr/>
+              <p:nvPr/>
+            </p:nvSpPr>
+            <p:spPr>
+              <a:xfrm>
+                <a:off x="101600" y="1867251"/>
+                <a:ext cx="1643485" cy="149819"/>
+              </a:xfrm>
+              <a:prstGeom prst="rect">
+                <a:avLst/>
+              </a:prstGeom>
+              <a:solidFill>
+                <a:srgbClr val="FF6600">
+                  <a:alpha val="60000"/>
+                </a:srgbClr>
+              </a:solidFill>
+              <a:ln>
+                <a:noFill/>
+              </a:ln>
+            </p:spPr>
+            <p:style>
+              <a:lnRef idx="2">
+                <a:schemeClr val="accent1">
+                  <a:shade val="50000"/>
+                </a:schemeClr>
+              </a:lnRef>
+              <a:fillRef idx="1">
+                <a:schemeClr val="accent1"/>
+              </a:fillRef>
+              <a:effectRef idx="0">
+                <a:schemeClr val="accent1"/>
+              </a:effectRef>
+              <a:fontRef idx="minor">
+                <a:schemeClr val="lt1"/>
+              </a:fontRef>
+            </p:style>
+            <p:txBody>
+              <a:bodyPr rtlCol="0" anchor="ctr"/>
+              <a:lstStyle/>
+              <a:p>
+                <a:pPr algn="ctr"/>
+                <a:endParaRPr lang="ko-KR" altLang="en-US">
+                  <a:latin typeface="Impact" panose="020B0806030902050204" pitchFamily="34" charset="0"/>
+                </a:endParaRPr>
+              </a:p>
+            </p:txBody>
+          </p:sp>
+        </p:grpSp>
+        <p:grpSp>
+          <p:nvGrpSpPr>
+            <p:cNvPr id="27" name="그룹 26">
+              <a:extLst>
+                <a:ext uri="{FF2B5EF4-FFF2-40B4-BE49-F238E27FC236}">
+                  <a16:creationId xmlns:a16="http://schemas.microsoft.com/office/drawing/2014/main" id="{7E966ACF-61E7-4F0C-B336-24790316C4C1}"/>
+                </a:ext>
+              </a:extLst>
+            </p:cNvPr>
+            <p:cNvGrpSpPr/>
+            <p:nvPr/>
+          </p:nvGrpSpPr>
+          <p:grpSpPr>
+            <a:xfrm>
+              <a:off x="101600" y="-114790"/>
+              <a:ext cx="7837878" cy="1862048"/>
+              <a:chOff x="170551" y="-79634"/>
+              <a:chExt cx="7837878" cy="1862048"/>
+            </a:xfrm>
+          </p:grpSpPr>
+          <p:sp>
+            <p:nvSpPr>
+              <p:cNvPr id="28" name="TextBox 27">
+                <a:extLst>
+                  <a:ext uri="{FF2B5EF4-FFF2-40B4-BE49-F238E27FC236}">
+                    <a16:creationId xmlns:a16="http://schemas.microsoft.com/office/drawing/2014/main" id="{92AA4E5B-E24F-4C79-B0FE-6194BFBCAEF1}"/>
+                  </a:ext>
+                </a:extLst>
+              </p:cNvPr>
+              <p:cNvSpPr txBox="1"/>
+              <p:nvPr/>
+            </p:nvSpPr>
+            <p:spPr>
+              <a:xfrm>
+                <a:off x="170551" y="-79634"/>
+                <a:ext cx="2195280" cy="1862048"/>
+              </a:xfrm>
+              <a:prstGeom prst="rect">
+                <a:avLst/>
+              </a:prstGeom>
+              <a:noFill/>
+            </p:spPr>
+            <p:txBody>
+              <a:bodyPr wrap="square" rtlCol="0">
+                <a:spAutoFit/>
+              </a:bodyPr>
+              <a:lstStyle/>
+              <a:p>
+                <a:r>
+                  <a:rPr lang="en-US" altLang="ko-KR" sz="11500" dirty="0">
+                    <a:ln>
+                      <a:solidFill>
+                        <a:schemeClr val="tx1">
+                          <a:lumMod val="75000"/>
+                          <a:lumOff val="25000"/>
+                          <a:alpha val="70000"/>
+                        </a:schemeClr>
+                      </a:solidFill>
+                    </a:ln>
+                    <a:solidFill>
+                      <a:schemeClr val="tx1">
+                        <a:lumMod val="65000"/>
+                        <a:lumOff val="35000"/>
+                      </a:schemeClr>
+                    </a:solidFill>
+                    <a:latin typeface="Impact" panose="020B0806030902050204" pitchFamily="34" charset="0"/>
+                    <a:ea typeface="조선일보명조" panose="02030304000000000000" pitchFamily="18" charset="-127"/>
+                    <a:cs typeface="조선일보명조" panose="02030304000000000000" pitchFamily="18" charset="-127"/>
+                  </a:rPr>
+                  <a:t>03</a:t>
+                </a:r>
+                <a:endParaRPr lang="ko-KR" altLang="en-US" sz="11500" dirty="0">
+                  <a:ln>
+                    <a:solidFill>
+                      <a:schemeClr val="tx1">
+                        <a:lumMod val="75000"/>
+                        <a:lumOff val="25000"/>
+                        <a:alpha val="70000"/>
+                      </a:schemeClr>
+                    </a:solidFill>
+                  </a:ln>
+                  <a:solidFill>
+                    <a:schemeClr val="tx1">
+                      <a:lumMod val="65000"/>
+                      <a:lumOff val="35000"/>
+                    </a:schemeClr>
+                  </a:solidFill>
+                  <a:latin typeface="Impact" panose="020B0806030902050204" pitchFamily="34" charset="0"/>
+                  <a:ea typeface="조선일보명조" panose="02030304000000000000" pitchFamily="18" charset="-127"/>
+                  <a:cs typeface="조선일보명조" panose="02030304000000000000" pitchFamily="18" charset="-127"/>
+                </a:endParaRPr>
+              </a:p>
+            </p:txBody>
+          </p:sp>
+          <p:grpSp>
+            <p:nvGrpSpPr>
+              <p:cNvPr id="29" name="그룹 28">
+                <a:extLst>
+                  <a:ext uri="{FF2B5EF4-FFF2-40B4-BE49-F238E27FC236}">
+                    <a16:creationId xmlns:a16="http://schemas.microsoft.com/office/drawing/2014/main" id="{0DAB750B-1B41-47D3-A9CE-32554D957298}"/>
+                  </a:ext>
+                </a:extLst>
+              </p:cNvPr>
+              <p:cNvGrpSpPr/>
+              <p:nvPr/>
+            </p:nvGrpSpPr>
+            <p:grpSpPr>
+              <a:xfrm>
+                <a:off x="1738086" y="305207"/>
+                <a:ext cx="6270343" cy="1025011"/>
+                <a:chOff x="1738086" y="305207"/>
+                <a:chExt cx="6270343" cy="1025011"/>
+              </a:xfrm>
+            </p:grpSpPr>
+            <p:sp>
+              <p:nvSpPr>
+                <p:cNvPr id="30" name="TextBox 29">
+                  <a:extLst>
+                    <a:ext uri="{FF2B5EF4-FFF2-40B4-BE49-F238E27FC236}">
+                      <a16:creationId xmlns:a16="http://schemas.microsoft.com/office/drawing/2014/main" id="{9442EA1C-89D2-42AC-99D3-E530F6849972}"/>
+                    </a:ext>
+                  </a:extLst>
+                </p:cNvPr>
+                <p:cNvSpPr txBox="1"/>
+                <p:nvPr/>
+              </p:nvSpPr>
+              <p:spPr>
+                <a:xfrm>
+                  <a:off x="1738090" y="305207"/>
+                  <a:ext cx="3048004" cy="707886"/>
+                </a:xfrm>
+                <a:prstGeom prst="rect">
+                  <a:avLst/>
+                </a:prstGeom>
+                <a:noFill/>
+              </p:spPr>
+              <p:txBody>
+                <a:bodyPr wrap="square" rtlCol="0">
+                  <a:spAutoFit/>
+                </a:bodyPr>
+                <a:lstStyle/>
+                <a:p>
+                  <a:r>
+                    <a:rPr lang="ko-KR" altLang="en-US" sz="4000" dirty="0">
+                      <a:ln>
+                        <a:solidFill>
+                          <a:schemeClr val="tx1">
+                            <a:lumMod val="75000"/>
+                            <a:lumOff val="25000"/>
+                            <a:alpha val="70000"/>
+                          </a:schemeClr>
+                        </a:solidFill>
+                      </a:ln>
+                      <a:solidFill>
+                        <a:schemeClr val="tx1">
+                          <a:lumMod val="65000"/>
+                          <a:lumOff val="35000"/>
+                        </a:schemeClr>
+                      </a:solidFill>
+                      <a:latin typeface="Impact" panose="020B0806030902050204" pitchFamily="34" charset="0"/>
+                      <a:ea typeface="조선일보명조" panose="02030304000000000000" pitchFamily="18" charset="-127"/>
+                      <a:cs typeface="조선일보명조" panose="02030304000000000000" pitchFamily="18" charset="-127"/>
+                    </a:rPr>
+                    <a:t>분석과정</a:t>
+                  </a:r>
+                  <a:endParaRPr lang="en-US" altLang="ko-KR" sz="4000" dirty="0">
+                    <a:ln>
+                      <a:solidFill>
+                        <a:schemeClr val="tx1">
+                          <a:lumMod val="75000"/>
+                          <a:lumOff val="25000"/>
+                          <a:alpha val="70000"/>
+                        </a:schemeClr>
+                      </a:solidFill>
+                    </a:ln>
+                    <a:solidFill>
+                      <a:schemeClr val="tx1">
+                        <a:lumMod val="65000"/>
+                        <a:lumOff val="35000"/>
+                      </a:schemeClr>
+                    </a:solidFill>
+                    <a:latin typeface="Impact" panose="020B0806030902050204" pitchFamily="34" charset="0"/>
+                    <a:ea typeface="조선일보명조" panose="02030304000000000000" pitchFamily="18" charset="-127"/>
+                    <a:cs typeface="조선일보명조" panose="02030304000000000000" pitchFamily="18" charset="-127"/>
+                  </a:endParaRPr>
+                </a:p>
+              </p:txBody>
+            </p:sp>
+            <p:sp>
+              <p:nvSpPr>
+                <p:cNvPr id="31" name="TextBox 30">
+                  <a:extLst>
+                    <a:ext uri="{FF2B5EF4-FFF2-40B4-BE49-F238E27FC236}">
+                      <a16:creationId xmlns:a16="http://schemas.microsoft.com/office/drawing/2014/main" id="{6E7B5614-1317-4453-9623-220F138F3B1E}"/>
+                    </a:ext>
+                  </a:extLst>
+                </p:cNvPr>
+                <p:cNvSpPr txBox="1"/>
+                <p:nvPr/>
+              </p:nvSpPr>
+              <p:spPr>
+                <a:xfrm>
+                  <a:off x="1738086" y="926005"/>
+                  <a:ext cx="6270343" cy="404213"/>
+                </a:xfrm>
+                <a:prstGeom prst="rect">
+                  <a:avLst/>
+                </a:prstGeom>
+                <a:noFill/>
+              </p:spPr>
+              <p:txBody>
+                <a:bodyPr wrap="square" rtlCol="0">
+                  <a:spAutoFit/>
+                </a:bodyPr>
+                <a:lstStyle/>
+                <a:p>
+                  <a:pPr>
+                    <a:lnSpc>
+                      <a:spcPct val="150000"/>
+                    </a:lnSpc>
+                  </a:pPr>
+                  <a:endParaRPr lang="en-US" altLang="ko-KR" sz="1600" dirty="0">
+                    <a:ln>
+                      <a:solidFill>
+                        <a:schemeClr val="tx1">
+                          <a:lumMod val="75000"/>
+                          <a:lumOff val="25000"/>
+                          <a:alpha val="70000"/>
+                        </a:schemeClr>
+                      </a:solidFill>
+                    </a:ln>
+                    <a:solidFill>
+                      <a:schemeClr val="tx1">
+                        <a:lumMod val="65000"/>
+                        <a:lumOff val="35000"/>
+                      </a:schemeClr>
+                    </a:solidFill>
+                    <a:latin typeface="HY견고딕" panose="02030600000101010101" pitchFamily="18" charset="-127"/>
+                    <a:ea typeface="HY견고딕" panose="02030600000101010101" pitchFamily="18" charset="-127"/>
+                    <a:cs typeface="조선일보명조" panose="02030304000000000000" pitchFamily="18" charset="-127"/>
+                  </a:endParaRPr>
+                </a:p>
+              </p:txBody>
+            </p:sp>
+          </p:grpSp>
+        </p:grpSp>
+      </p:grpSp>
+      <p:sp>
+        <p:nvSpPr>
+          <p:cNvPr id="34" name="TextBox 33">
+            <a:extLst>
+              <a:ext uri="{FF2B5EF4-FFF2-40B4-BE49-F238E27FC236}">
+                <a16:creationId xmlns:a16="http://schemas.microsoft.com/office/drawing/2014/main" id="{64CCC4A5-CC9F-4F57-84DD-E48B05365CB0}"/>
+              </a:ext>
+            </a:extLst>
+          </p:cNvPr>
+          <p:cNvSpPr txBox="1"/>
+          <p:nvPr/>
+        </p:nvSpPr>
+        <p:spPr>
+          <a:xfrm>
+            <a:off x="2031993" y="967639"/>
+            <a:ext cx="5330368" cy="400110"/>
+          </a:xfrm>
+          <a:prstGeom prst="rect">
+            <a:avLst/>
+          </a:prstGeom>
+          <a:noFill/>
+        </p:spPr>
+        <p:txBody>
+          <a:bodyPr wrap="square" rtlCol="0">
+            <a:spAutoFit/>
+          </a:bodyPr>
+          <a:lstStyle/>
+          <a:p>
+            <a:r>
+              <a:rPr lang="ko-KR" altLang="en-US" sz="2000" dirty="0">
+                <a:ln>
+                  <a:solidFill>
+                    <a:schemeClr val="tx1">
+                      <a:lumMod val="75000"/>
+                      <a:lumOff val="25000"/>
+                      <a:alpha val="70000"/>
+                    </a:schemeClr>
+                  </a:solidFill>
+                </a:ln>
+                <a:solidFill>
+                  <a:schemeClr val="tx1">
+                    <a:lumMod val="65000"/>
+                    <a:lumOff val="35000"/>
+                  </a:schemeClr>
+                </a:solidFill>
+                <a:latin typeface="HY견고딕" panose="02030600000101010101" pitchFamily="18" charset="-127"/>
+                <a:ea typeface="HY견고딕" panose="02030600000101010101" pitchFamily="18" charset="-127"/>
+                <a:cs typeface="조선일보명조" panose="02030304000000000000" pitchFamily="18" charset="-127"/>
+              </a:rPr>
               <a:t>모델링</a:t>
             </a:r>
             <a:endParaRPr lang="en-US" altLang="ko-KR" sz="2000" dirty="0">
@@ -5470,7 +6378,7 @@
         <p:spPr>
           <a:xfrm>
             <a:off x="2719690" y="4302229"/>
-            <a:ext cx="2195280" cy="646331"/>
+            <a:ext cx="2195280" cy="923330"/>
           </a:xfrm>
           <a:prstGeom prst="rect">
             <a:avLst/>
@@ -5494,6 +6402,16 @@
             <a:r>
               <a:rPr lang="en-US" altLang="ko-KR" dirty="0"/>
               <a:t>Scaling</a:t>
+            </a:r>
+          </a:p>
+          <a:p>
+            <a:r>
+              <a:rPr lang="en-US" altLang="ko-KR" dirty="0" err="1"/>
+              <a:t>MinMax</a:t>
+            </a:r>
+            <a:r>
+              <a:rPr lang="en-US" altLang="ko-KR" dirty="0"/>
+              <a:t> Scaling</a:t>
             </a:r>
           </a:p>
           <a:p>
@@ -5604,7 +6522,7 @@
           <a:p>
             <a:r>
               <a:rPr lang="en-US" altLang="ko-KR" dirty="0"/>
-              <a:t>Train / test set</a:t>
+              <a:t>Train / Test set</a:t>
             </a:r>
           </a:p>
         </p:txBody>
@@ -5702,6 +6620,1085 @@
     <p:extLst>
       <p:ext uri="{BB962C8B-B14F-4D97-AF65-F5344CB8AC3E}">
         <p14:creationId xmlns:p14="http://schemas.microsoft.com/office/powerpoint/2010/main" val="1406248216"/>
+      </p:ext>
+    </p:extLst>
+  </p:cSld>
+  <p:clrMapOvr>
+    <a:masterClrMapping/>
+  </p:clrMapOvr>
+  <p:transition spd="slow">
+    <p:push dir="u"/>
+  </p:transition>
+</p:sld>
+</file>
+
+<file path=ppt/slides/slide4.xml><?xml version="1.0" encoding="utf-8"?>
+<p:sld xmlns:a="http://schemas.openxmlformats.org/drawingml/2006/main" xmlns:r="http://schemas.openxmlformats.org/officeDocument/2006/relationships" xmlns:p="http://schemas.openxmlformats.org/presentationml/2006/main">
+  <p:cSld>
+    <p:spTree>
+      <p:nvGrpSpPr>
+        <p:cNvPr id="1" name=""/>
+        <p:cNvGrpSpPr/>
+        <p:nvPr/>
+      </p:nvGrpSpPr>
+      <p:grpSpPr>
+        <a:xfrm>
+          <a:off x="0" y="0"/>
+          <a:ext cx="0" cy="0"/>
+          <a:chOff x="0" y="0"/>
+          <a:chExt cx="0" cy="0"/>
+        </a:xfrm>
+      </p:grpSpPr>
+      <p:grpSp>
+        <p:nvGrpSpPr>
+          <p:cNvPr id="25" name="그룹 24">
+            <a:extLst>
+              <a:ext uri="{FF2B5EF4-FFF2-40B4-BE49-F238E27FC236}">
+                <a16:creationId xmlns:a16="http://schemas.microsoft.com/office/drawing/2014/main" id="{9415BF50-4338-4977-89E7-B9BD3F735145}"/>
+              </a:ext>
+            </a:extLst>
+          </p:cNvPr>
+          <p:cNvGrpSpPr/>
+          <p:nvPr/>
+        </p:nvGrpSpPr>
+        <p:grpSpPr>
+          <a:xfrm>
+            <a:off x="406401" y="-38000"/>
+            <a:ext cx="7895934" cy="1862048"/>
+            <a:chOff x="43544" y="-114790"/>
+            <a:chExt cx="7895934" cy="1862048"/>
+          </a:xfrm>
+        </p:grpSpPr>
+        <p:grpSp>
+          <p:nvGrpSpPr>
+            <p:cNvPr id="26" name="그룹 25">
+              <a:extLst>
+                <a:ext uri="{FF2B5EF4-FFF2-40B4-BE49-F238E27FC236}">
+                  <a16:creationId xmlns:a16="http://schemas.microsoft.com/office/drawing/2014/main" id="{A746785D-357E-45F8-9D01-C3ED5DD3C81A}"/>
+                </a:ext>
+              </a:extLst>
+            </p:cNvPr>
+            <p:cNvGrpSpPr/>
+            <p:nvPr/>
+          </p:nvGrpSpPr>
+          <p:grpSpPr>
+            <a:xfrm>
+              <a:off x="43544" y="1290207"/>
+              <a:ext cx="1611086" cy="277336"/>
+              <a:chOff x="101600" y="1867251"/>
+              <a:chExt cx="1759045" cy="215728"/>
+            </a:xfrm>
+          </p:grpSpPr>
+          <p:sp>
+            <p:nvSpPr>
+              <p:cNvPr id="32" name="직사각형 31">
+                <a:extLst>
+                  <a:ext uri="{FF2B5EF4-FFF2-40B4-BE49-F238E27FC236}">
+                    <a16:creationId xmlns:a16="http://schemas.microsoft.com/office/drawing/2014/main" id="{424003B5-35E3-4B2E-9E5C-8781DF1B928F}"/>
+                  </a:ext>
+                </a:extLst>
+              </p:cNvPr>
+              <p:cNvSpPr/>
+              <p:nvPr/>
+            </p:nvSpPr>
+            <p:spPr>
+              <a:xfrm>
+                <a:off x="218520" y="1900860"/>
+                <a:ext cx="1642125" cy="182119"/>
+              </a:xfrm>
+              <a:prstGeom prst="rect">
+                <a:avLst/>
+              </a:prstGeom>
+              <a:solidFill>
+                <a:srgbClr val="FF6600">
+                  <a:alpha val="75000"/>
+                </a:srgbClr>
+              </a:solidFill>
+              <a:ln>
+                <a:noFill/>
+              </a:ln>
+            </p:spPr>
+            <p:style>
+              <a:lnRef idx="2">
+                <a:schemeClr val="accent1">
+                  <a:shade val="50000"/>
+                </a:schemeClr>
+              </a:lnRef>
+              <a:fillRef idx="1">
+                <a:schemeClr val="accent1"/>
+              </a:fillRef>
+              <a:effectRef idx="0">
+                <a:schemeClr val="accent1"/>
+              </a:effectRef>
+              <a:fontRef idx="minor">
+                <a:schemeClr val="lt1"/>
+              </a:fontRef>
+            </p:style>
+            <p:txBody>
+              <a:bodyPr rtlCol="0" anchor="ctr"/>
+              <a:lstStyle/>
+              <a:p>
+                <a:pPr algn="ctr"/>
+                <a:endParaRPr lang="ko-KR" altLang="en-US">
+                  <a:latin typeface="Impact" panose="020B0806030902050204" pitchFamily="34" charset="0"/>
+                </a:endParaRPr>
+              </a:p>
+            </p:txBody>
+          </p:sp>
+          <p:sp>
+            <p:nvSpPr>
+              <p:cNvPr id="33" name="직사각형 32">
+                <a:extLst>
+                  <a:ext uri="{FF2B5EF4-FFF2-40B4-BE49-F238E27FC236}">
+                    <a16:creationId xmlns:a16="http://schemas.microsoft.com/office/drawing/2014/main" id="{44D38D40-E6C8-469F-A884-8C56F583AAB5}"/>
+                  </a:ext>
+                </a:extLst>
+              </p:cNvPr>
+              <p:cNvSpPr/>
+              <p:nvPr/>
+            </p:nvSpPr>
+            <p:spPr>
+              <a:xfrm>
+                <a:off x="101600" y="1867251"/>
+                <a:ext cx="1643485" cy="149819"/>
+              </a:xfrm>
+              <a:prstGeom prst="rect">
+                <a:avLst/>
+              </a:prstGeom>
+              <a:solidFill>
+                <a:srgbClr val="FF6600">
+                  <a:alpha val="60000"/>
+                </a:srgbClr>
+              </a:solidFill>
+              <a:ln>
+                <a:noFill/>
+              </a:ln>
+            </p:spPr>
+            <p:style>
+              <a:lnRef idx="2">
+                <a:schemeClr val="accent1">
+                  <a:shade val="50000"/>
+                </a:schemeClr>
+              </a:lnRef>
+              <a:fillRef idx="1">
+                <a:schemeClr val="accent1"/>
+              </a:fillRef>
+              <a:effectRef idx="0">
+                <a:schemeClr val="accent1"/>
+              </a:effectRef>
+              <a:fontRef idx="minor">
+                <a:schemeClr val="lt1"/>
+              </a:fontRef>
+            </p:style>
+            <p:txBody>
+              <a:bodyPr rtlCol="0" anchor="ctr"/>
+              <a:lstStyle/>
+              <a:p>
+                <a:pPr algn="ctr"/>
+                <a:endParaRPr lang="ko-KR" altLang="en-US">
+                  <a:latin typeface="Impact" panose="020B0806030902050204" pitchFamily="34" charset="0"/>
+                </a:endParaRPr>
+              </a:p>
+            </p:txBody>
+          </p:sp>
+        </p:grpSp>
+        <p:grpSp>
+          <p:nvGrpSpPr>
+            <p:cNvPr id="27" name="그룹 26">
+              <a:extLst>
+                <a:ext uri="{FF2B5EF4-FFF2-40B4-BE49-F238E27FC236}">
+                  <a16:creationId xmlns:a16="http://schemas.microsoft.com/office/drawing/2014/main" id="{7E966ACF-61E7-4F0C-B336-24790316C4C1}"/>
+                </a:ext>
+              </a:extLst>
+            </p:cNvPr>
+            <p:cNvGrpSpPr/>
+            <p:nvPr/>
+          </p:nvGrpSpPr>
+          <p:grpSpPr>
+            <a:xfrm>
+              <a:off x="101600" y="-114790"/>
+              <a:ext cx="7837878" cy="1862048"/>
+              <a:chOff x="170551" y="-79634"/>
+              <a:chExt cx="7837878" cy="1862048"/>
+            </a:xfrm>
+          </p:grpSpPr>
+          <p:sp>
+            <p:nvSpPr>
+              <p:cNvPr id="28" name="TextBox 27">
+                <a:extLst>
+                  <a:ext uri="{FF2B5EF4-FFF2-40B4-BE49-F238E27FC236}">
+                    <a16:creationId xmlns:a16="http://schemas.microsoft.com/office/drawing/2014/main" id="{92AA4E5B-E24F-4C79-B0FE-6194BFBCAEF1}"/>
+                  </a:ext>
+                </a:extLst>
+              </p:cNvPr>
+              <p:cNvSpPr txBox="1"/>
+              <p:nvPr/>
+            </p:nvSpPr>
+            <p:spPr>
+              <a:xfrm>
+                <a:off x="170551" y="-79634"/>
+                <a:ext cx="2195280" cy="1862048"/>
+              </a:xfrm>
+              <a:prstGeom prst="rect">
+                <a:avLst/>
+              </a:prstGeom>
+              <a:noFill/>
+            </p:spPr>
+            <p:txBody>
+              <a:bodyPr wrap="square" rtlCol="0">
+                <a:spAutoFit/>
+              </a:bodyPr>
+              <a:lstStyle/>
+              <a:p>
+                <a:r>
+                  <a:rPr lang="en-US" altLang="ko-KR" sz="11500" dirty="0">
+                    <a:ln>
+                      <a:solidFill>
+                        <a:schemeClr val="tx1">
+                          <a:lumMod val="75000"/>
+                          <a:lumOff val="25000"/>
+                          <a:alpha val="70000"/>
+                        </a:schemeClr>
+                      </a:solidFill>
+                    </a:ln>
+                    <a:solidFill>
+                      <a:schemeClr val="tx1">
+                        <a:lumMod val="65000"/>
+                        <a:lumOff val="35000"/>
+                      </a:schemeClr>
+                    </a:solidFill>
+                    <a:latin typeface="Impact" panose="020B0806030902050204" pitchFamily="34" charset="0"/>
+                    <a:ea typeface="조선일보명조" panose="02030304000000000000" pitchFamily="18" charset="-127"/>
+                    <a:cs typeface="조선일보명조" panose="02030304000000000000" pitchFamily="18" charset="-127"/>
+                  </a:rPr>
+                  <a:t>04</a:t>
+                </a:r>
+                <a:endParaRPr lang="ko-KR" altLang="en-US" sz="11500" dirty="0">
+                  <a:ln>
+                    <a:solidFill>
+                      <a:schemeClr val="tx1">
+                        <a:lumMod val="75000"/>
+                        <a:lumOff val="25000"/>
+                        <a:alpha val="70000"/>
+                      </a:schemeClr>
+                    </a:solidFill>
+                  </a:ln>
+                  <a:solidFill>
+                    <a:schemeClr val="tx1">
+                      <a:lumMod val="65000"/>
+                      <a:lumOff val="35000"/>
+                    </a:schemeClr>
+                  </a:solidFill>
+                  <a:latin typeface="Impact" panose="020B0806030902050204" pitchFamily="34" charset="0"/>
+                  <a:ea typeface="조선일보명조" panose="02030304000000000000" pitchFamily="18" charset="-127"/>
+                  <a:cs typeface="조선일보명조" panose="02030304000000000000" pitchFamily="18" charset="-127"/>
+                </a:endParaRPr>
+              </a:p>
+            </p:txBody>
+          </p:sp>
+          <p:grpSp>
+            <p:nvGrpSpPr>
+              <p:cNvPr id="29" name="그룹 28">
+                <a:extLst>
+                  <a:ext uri="{FF2B5EF4-FFF2-40B4-BE49-F238E27FC236}">
+                    <a16:creationId xmlns:a16="http://schemas.microsoft.com/office/drawing/2014/main" id="{0DAB750B-1B41-47D3-A9CE-32554D957298}"/>
+                  </a:ext>
+                </a:extLst>
+              </p:cNvPr>
+              <p:cNvGrpSpPr/>
+              <p:nvPr/>
+            </p:nvGrpSpPr>
+            <p:grpSpPr>
+              <a:xfrm>
+                <a:off x="1738086" y="305207"/>
+                <a:ext cx="6270343" cy="1025011"/>
+                <a:chOff x="1738086" y="305207"/>
+                <a:chExt cx="6270343" cy="1025011"/>
+              </a:xfrm>
+            </p:grpSpPr>
+            <p:sp>
+              <p:nvSpPr>
+                <p:cNvPr id="30" name="TextBox 29">
+                  <a:extLst>
+                    <a:ext uri="{FF2B5EF4-FFF2-40B4-BE49-F238E27FC236}">
+                      <a16:creationId xmlns:a16="http://schemas.microsoft.com/office/drawing/2014/main" id="{9442EA1C-89D2-42AC-99D3-E530F6849972}"/>
+                    </a:ext>
+                  </a:extLst>
+                </p:cNvPr>
+                <p:cNvSpPr txBox="1"/>
+                <p:nvPr/>
+              </p:nvSpPr>
+              <p:spPr>
+                <a:xfrm>
+                  <a:off x="1738090" y="305207"/>
+                  <a:ext cx="3048004" cy="707886"/>
+                </a:xfrm>
+                <a:prstGeom prst="rect">
+                  <a:avLst/>
+                </a:prstGeom>
+                <a:noFill/>
+              </p:spPr>
+              <p:txBody>
+                <a:bodyPr wrap="square" rtlCol="0">
+                  <a:spAutoFit/>
+                </a:bodyPr>
+                <a:lstStyle/>
+                <a:p>
+                  <a:r>
+                    <a:rPr lang="ko-KR" altLang="en-US" sz="4000" dirty="0">
+                      <a:ln>
+                        <a:solidFill>
+                          <a:schemeClr val="tx1">
+                            <a:lumMod val="75000"/>
+                            <a:lumOff val="25000"/>
+                            <a:alpha val="70000"/>
+                          </a:schemeClr>
+                        </a:solidFill>
+                      </a:ln>
+                      <a:solidFill>
+                        <a:schemeClr val="tx1">
+                          <a:lumMod val="65000"/>
+                          <a:lumOff val="35000"/>
+                        </a:schemeClr>
+                      </a:solidFill>
+                      <a:latin typeface="Impact" panose="020B0806030902050204" pitchFamily="34" charset="0"/>
+                      <a:ea typeface="조선일보명조" panose="02030304000000000000" pitchFamily="18" charset="-127"/>
+                      <a:cs typeface="조선일보명조" panose="02030304000000000000" pitchFamily="18" charset="-127"/>
+                    </a:rPr>
+                    <a:t>분석결론</a:t>
+                  </a:r>
+                  <a:endParaRPr lang="en-US" altLang="ko-KR" sz="4000" dirty="0">
+                    <a:ln>
+                      <a:solidFill>
+                        <a:schemeClr val="tx1">
+                          <a:lumMod val="75000"/>
+                          <a:lumOff val="25000"/>
+                          <a:alpha val="70000"/>
+                        </a:schemeClr>
+                      </a:solidFill>
+                    </a:ln>
+                    <a:solidFill>
+                      <a:schemeClr val="tx1">
+                        <a:lumMod val="65000"/>
+                        <a:lumOff val="35000"/>
+                      </a:schemeClr>
+                    </a:solidFill>
+                    <a:latin typeface="Impact" panose="020B0806030902050204" pitchFamily="34" charset="0"/>
+                    <a:ea typeface="조선일보명조" panose="02030304000000000000" pitchFamily="18" charset="-127"/>
+                    <a:cs typeface="조선일보명조" panose="02030304000000000000" pitchFamily="18" charset="-127"/>
+                  </a:endParaRPr>
+                </a:p>
+              </p:txBody>
+            </p:sp>
+            <p:sp>
+              <p:nvSpPr>
+                <p:cNvPr id="31" name="TextBox 30">
+                  <a:extLst>
+                    <a:ext uri="{FF2B5EF4-FFF2-40B4-BE49-F238E27FC236}">
+                      <a16:creationId xmlns:a16="http://schemas.microsoft.com/office/drawing/2014/main" id="{6E7B5614-1317-4453-9623-220F138F3B1E}"/>
+                    </a:ext>
+                  </a:extLst>
+                </p:cNvPr>
+                <p:cNvSpPr txBox="1"/>
+                <p:nvPr/>
+              </p:nvSpPr>
+              <p:spPr>
+                <a:xfrm>
+                  <a:off x="1738086" y="926005"/>
+                  <a:ext cx="6270343" cy="404213"/>
+                </a:xfrm>
+                <a:prstGeom prst="rect">
+                  <a:avLst/>
+                </a:prstGeom>
+                <a:noFill/>
+              </p:spPr>
+              <p:txBody>
+                <a:bodyPr wrap="square" rtlCol="0">
+                  <a:spAutoFit/>
+                </a:bodyPr>
+                <a:lstStyle/>
+                <a:p>
+                  <a:pPr>
+                    <a:lnSpc>
+                      <a:spcPct val="150000"/>
+                    </a:lnSpc>
+                  </a:pPr>
+                  <a:endParaRPr lang="en-US" altLang="ko-KR" sz="1600" dirty="0">
+                    <a:ln>
+                      <a:solidFill>
+                        <a:schemeClr val="tx1">
+                          <a:lumMod val="75000"/>
+                          <a:lumOff val="25000"/>
+                          <a:alpha val="70000"/>
+                        </a:schemeClr>
+                      </a:solidFill>
+                    </a:ln>
+                    <a:solidFill>
+                      <a:schemeClr val="tx1">
+                        <a:lumMod val="65000"/>
+                        <a:lumOff val="35000"/>
+                      </a:schemeClr>
+                    </a:solidFill>
+                    <a:latin typeface="HY견고딕" panose="02030600000101010101" pitchFamily="18" charset="-127"/>
+                    <a:ea typeface="HY견고딕" panose="02030600000101010101" pitchFamily="18" charset="-127"/>
+                    <a:cs typeface="조선일보명조" panose="02030304000000000000" pitchFamily="18" charset="-127"/>
+                  </a:endParaRPr>
+                </a:p>
+              </p:txBody>
+            </p:sp>
+          </p:grpSp>
+        </p:grpSp>
+      </p:grpSp>
+      <p:sp>
+        <p:nvSpPr>
+          <p:cNvPr id="34" name="TextBox 33">
+            <a:extLst>
+              <a:ext uri="{FF2B5EF4-FFF2-40B4-BE49-F238E27FC236}">
+                <a16:creationId xmlns:a16="http://schemas.microsoft.com/office/drawing/2014/main" id="{64CCC4A5-CC9F-4F57-84DD-E48B05365CB0}"/>
+              </a:ext>
+            </a:extLst>
+          </p:cNvPr>
+          <p:cNvSpPr txBox="1"/>
+          <p:nvPr/>
+        </p:nvSpPr>
+        <p:spPr>
+          <a:xfrm>
+            <a:off x="2031993" y="967639"/>
+            <a:ext cx="5330368" cy="400110"/>
+          </a:xfrm>
+          <a:prstGeom prst="rect">
+            <a:avLst/>
+          </a:prstGeom>
+          <a:noFill/>
+        </p:spPr>
+        <p:txBody>
+          <a:bodyPr wrap="square" rtlCol="0">
+            <a:spAutoFit/>
+          </a:bodyPr>
+          <a:lstStyle/>
+          <a:p>
+            <a:r>
+              <a:rPr lang="ko-KR" altLang="en-US" sz="2000" dirty="0">
+                <a:ln>
+                  <a:solidFill>
+                    <a:schemeClr val="tx1">
+                      <a:lumMod val="75000"/>
+                      <a:lumOff val="25000"/>
+                      <a:alpha val="70000"/>
+                    </a:schemeClr>
+                  </a:solidFill>
+                </a:ln>
+                <a:solidFill>
+                  <a:schemeClr val="tx1">
+                    <a:lumMod val="65000"/>
+                    <a:lumOff val="35000"/>
+                  </a:schemeClr>
+                </a:solidFill>
+                <a:latin typeface="HY견고딕" panose="02030600000101010101" pitchFamily="18" charset="-127"/>
+                <a:ea typeface="HY견고딕" panose="02030600000101010101" pitchFamily="18" charset="-127"/>
+                <a:cs typeface="조선일보명조" panose="02030304000000000000" pitchFamily="18" charset="-127"/>
+              </a:rPr>
+              <a:t>분석 </a:t>
+            </a:r>
+            <a:r>
+              <a:rPr lang="ko-KR" altLang="en-US" sz="2000" dirty="0" err="1">
+                <a:ln>
+                  <a:solidFill>
+                    <a:schemeClr val="tx1">
+                      <a:lumMod val="75000"/>
+                      <a:lumOff val="25000"/>
+                      <a:alpha val="70000"/>
+                    </a:schemeClr>
+                  </a:solidFill>
+                </a:ln>
+                <a:solidFill>
+                  <a:schemeClr val="tx1">
+                    <a:lumMod val="65000"/>
+                    <a:lumOff val="35000"/>
+                  </a:schemeClr>
+                </a:solidFill>
+                <a:latin typeface="HY견고딕" panose="02030600000101010101" pitchFamily="18" charset="-127"/>
+                <a:ea typeface="HY견고딕" panose="02030600000101010101" pitchFamily="18" charset="-127"/>
+                <a:cs typeface="조선일보명조" panose="02030304000000000000" pitchFamily="18" charset="-127"/>
+              </a:rPr>
+              <a:t>차별점</a:t>
+            </a:r>
+            <a:r>
+              <a:rPr lang="ko-KR" altLang="en-US" sz="2000" dirty="0">
+                <a:ln>
+                  <a:solidFill>
+                    <a:schemeClr val="tx1">
+                      <a:lumMod val="75000"/>
+                      <a:lumOff val="25000"/>
+                      <a:alpha val="70000"/>
+                    </a:schemeClr>
+                  </a:solidFill>
+                </a:ln>
+                <a:solidFill>
+                  <a:schemeClr val="tx1">
+                    <a:lumMod val="65000"/>
+                    <a:lumOff val="35000"/>
+                  </a:schemeClr>
+                </a:solidFill>
+                <a:latin typeface="HY견고딕" panose="02030600000101010101" pitchFamily="18" charset="-127"/>
+                <a:ea typeface="HY견고딕" panose="02030600000101010101" pitchFamily="18" charset="-127"/>
+                <a:cs typeface="조선일보명조" panose="02030304000000000000" pitchFamily="18" charset="-127"/>
+              </a:rPr>
+              <a:t> 및 한계</a:t>
+            </a:r>
+            <a:endParaRPr lang="en-US" altLang="ko-KR" sz="2000" dirty="0">
+              <a:ln>
+                <a:solidFill>
+                  <a:schemeClr val="tx1">
+                    <a:lumMod val="75000"/>
+                    <a:lumOff val="25000"/>
+                    <a:alpha val="70000"/>
+                  </a:schemeClr>
+                </a:solidFill>
+              </a:ln>
+              <a:solidFill>
+                <a:schemeClr val="tx1">
+                  <a:lumMod val="65000"/>
+                  <a:lumOff val="35000"/>
+                </a:schemeClr>
+              </a:solidFill>
+              <a:latin typeface="HY견고딕" panose="02030600000101010101" pitchFamily="18" charset="-127"/>
+              <a:ea typeface="HY견고딕" panose="02030600000101010101" pitchFamily="18" charset="-127"/>
+              <a:cs typeface="조선일보명조" panose="02030304000000000000" pitchFamily="18" charset="-127"/>
+            </a:endParaRPr>
+          </a:p>
+        </p:txBody>
+      </p:sp>
+      <p:sp>
+        <p:nvSpPr>
+          <p:cNvPr id="12" name="TextBox 11">
+            <a:extLst>
+              <a:ext uri="{FF2B5EF4-FFF2-40B4-BE49-F238E27FC236}">
+                <a16:creationId xmlns:a16="http://schemas.microsoft.com/office/drawing/2014/main" id="{7FDCB27B-B923-FF4A-BCBE-A75C4E291B12}"/>
+              </a:ext>
+            </a:extLst>
+          </p:cNvPr>
+          <p:cNvSpPr txBox="1"/>
+          <p:nvPr/>
+        </p:nvSpPr>
+        <p:spPr>
+          <a:xfrm>
+            <a:off x="3314546" y="7343972"/>
+            <a:ext cx="3205168" cy="3693319"/>
+          </a:xfrm>
+          <a:prstGeom prst="rect">
+            <a:avLst/>
+          </a:prstGeom>
+          <a:solidFill>
+            <a:srgbClr val="7030A0"/>
+          </a:solidFill>
+        </p:spPr>
+        <p:txBody>
+          <a:bodyPr wrap="square" rtlCol="0">
+            <a:spAutoFit/>
+          </a:bodyPr>
+          <a:lstStyle/>
+          <a:p>
+            <a:pPr algn="ctr"/>
+            <a:r>
+              <a:rPr lang="ko-KR" altLang="en-US" b="1" dirty="0">
+                <a:solidFill>
+                  <a:schemeClr val="bg1"/>
+                </a:solidFill>
+              </a:rPr>
+              <a:t>모델</a:t>
+            </a:r>
+            <a:endParaRPr lang="en-US" altLang="ko-KR" b="1" dirty="0">
+              <a:solidFill>
+                <a:schemeClr val="bg1"/>
+              </a:solidFill>
+            </a:endParaRPr>
+          </a:p>
+          <a:p>
+            <a:pPr marL="342900" indent="-342900" algn="ctr">
+              <a:buAutoNum type="arabicPeriod"/>
+            </a:pPr>
+            <a:r>
+              <a:rPr lang="en-US" altLang="ko-KR" b="1" dirty="0">
+                <a:solidFill>
+                  <a:schemeClr val="bg1"/>
+                </a:solidFill>
+              </a:rPr>
+              <a:t>OLS</a:t>
+            </a:r>
+          </a:p>
+          <a:p>
+            <a:pPr marL="342900" indent="-342900" algn="ctr">
+              <a:buAutoNum type="arabicPeriod"/>
+            </a:pPr>
+            <a:r>
+              <a:rPr lang="en-US" altLang="ko-KR" b="1" dirty="0">
+                <a:solidFill>
+                  <a:schemeClr val="bg1"/>
+                </a:solidFill>
+              </a:rPr>
+              <a:t>Linear</a:t>
+            </a:r>
+            <a:r>
+              <a:rPr lang="ko-KR" altLang="en-US" b="1" dirty="0">
+                <a:solidFill>
+                  <a:schemeClr val="bg1"/>
+                </a:solidFill>
+              </a:rPr>
+              <a:t> </a:t>
+            </a:r>
+            <a:r>
+              <a:rPr lang="en-US" altLang="ko-KR" b="1" dirty="0">
+                <a:solidFill>
+                  <a:schemeClr val="bg1"/>
+                </a:solidFill>
+              </a:rPr>
+              <a:t>Regression</a:t>
+            </a:r>
+          </a:p>
+          <a:p>
+            <a:pPr marL="342900" indent="-342900" algn="ctr">
+              <a:buAutoNum type="arabicPeriod"/>
+            </a:pPr>
+            <a:r>
+              <a:rPr lang="en-US" altLang="ko-KR" b="1" dirty="0">
+                <a:solidFill>
+                  <a:schemeClr val="bg1"/>
+                </a:solidFill>
+              </a:rPr>
+              <a:t>LR</a:t>
+            </a:r>
+            <a:r>
+              <a:rPr lang="ko-KR" altLang="en-US" b="1" dirty="0">
+                <a:solidFill>
+                  <a:schemeClr val="bg1"/>
+                </a:solidFill>
+              </a:rPr>
+              <a:t> </a:t>
+            </a:r>
+            <a:r>
+              <a:rPr lang="en-US" altLang="ko-KR" b="1" dirty="0">
+                <a:solidFill>
+                  <a:schemeClr val="bg1"/>
+                </a:solidFill>
+              </a:rPr>
+              <a:t>with</a:t>
+            </a:r>
+            <a:r>
+              <a:rPr lang="ko-KR" altLang="en-US" b="1" dirty="0">
+                <a:solidFill>
+                  <a:schemeClr val="bg1"/>
+                </a:solidFill>
+              </a:rPr>
+              <a:t> </a:t>
+            </a:r>
+            <a:r>
+              <a:rPr lang="en-US" altLang="ko-KR" b="1" dirty="0" err="1">
+                <a:solidFill>
+                  <a:schemeClr val="bg1"/>
+                </a:solidFill>
+              </a:rPr>
+              <a:t>regul</a:t>
+            </a:r>
+            <a:r>
+              <a:rPr lang="en-US" altLang="ko-KR" b="1" dirty="0">
+                <a:solidFill>
+                  <a:schemeClr val="bg1"/>
+                </a:solidFill>
+              </a:rPr>
+              <a:t>.</a:t>
+            </a:r>
+          </a:p>
+          <a:p>
+            <a:pPr marL="342900" indent="-342900" algn="ctr">
+              <a:buAutoNum type="arabicPeriod"/>
+            </a:pPr>
+            <a:r>
+              <a:rPr lang="en-US" altLang="ko-KR" b="1" dirty="0">
+                <a:solidFill>
+                  <a:schemeClr val="bg1"/>
+                </a:solidFill>
+              </a:rPr>
+              <a:t>SVR</a:t>
+            </a:r>
+          </a:p>
+          <a:p>
+            <a:pPr marL="342900" indent="-342900" algn="ctr">
+              <a:buAutoNum type="arabicPeriod"/>
+            </a:pPr>
+            <a:r>
+              <a:rPr lang="en-US" altLang="ko-KR" b="1" dirty="0">
+                <a:solidFill>
+                  <a:schemeClr val="bg1"/>
+                </a:solidFill>
+              </a:rPr>
+              <a:t>Random</a:t>
+            </a:r>
+            <a:r>
+              <a:rPr lang="ko-KR" altLang="en-US" b="1" dirty="0">
+                <a:solidFill>
+                  <a:schemeClr val="bg1"/>
+                </a:solidFill>
+              </a:rPr>
+              <a:t> </a:t>
+            </a:r>
+            <a:r>
+              <a:rPr lang="en-US" altLang="ko-KR" b="1" dirty="0">
+                <a:solidFill>
+                  <a:schemeClr val="bg1"/>
+                </a:solidFill>
+              </a:rPr>
+              <a:t>Forest</a:t>
+            </a:r>
+          </a:p>
+          <a:p>
+            <a:pPr marL="285750" indent="-285750" algn="ctr">
+              <a:buFontTx/>
+              <a:buChar char="-"/>
+            </a:pPr>
+            <a:r>
+              <a:rPr lang="en-US" altLang="ko-KR" b="1" dirty="0">
+                <a:solidFill>
+                  <a:schemeClr val="bg1"/>
+                </a:solidFill>
+              </a:rPr>
+              <a:t>Pipeline</a:t>
+            </a:r>
+            <a:r>
+              <a:rPr lang="ko-KR" altLang="en-US" b="1" dirty="0">
+                <a:solidFill>
+                  <a:schemeClr val="bg1"/>
+                </a:solidFill>
+              </a:rPr>
+              <a:t> 사용</a:t>
+            </a:r>
+            <a:r>
+              <a:rPr lang="en-US" altLang="ko-KR" b="1" dirty="0">
+                <a:solidFill>
+                  <a:schemeClr val="bg1"/>
+                </a:solidFill>
+              </a:rPr>
+              <a:t>,</a:t>
+            </a:r>
+            <a:r>
+              <a:rPr lang="ko-KR" altLang="en-US" b="1" dirty="0">
+                <a:solidFill>
+                  <a:schemeClr val="bg1"/>
+                </a:solidFill>
+              </a:rPr>
+              <a:t> 데이터표준화</a:t>
+            </a:r>
+            <a:endParaRPr lang="en-US" altLang="ko-KR" b="1" dirty="0">
+              <a:solidFill>
+                <a:schemeClr val="bg1"/>
+              </a:solidFill>
+            </a:endParaRPr>
+          </a:p>
+          <a:p>
+            <a:pPr marL="285750" indent="-285750" algn="ctr">
+              <a:buFontTx/>
+              <a:buChar char="-"/>
+            </a:pPr>
+            <a:r>
+              <a:rPr lang="en-US" altLang="ko-KR" b="1" dirty="0">
+                <a:solidFill>
+                  <a:schemeClr val="bg1"/>
+                </a:solidFill>
+              </a:rPr>
+              <a:t>Train/test set 	</a:t>
+            </a:r>
+            <a:r>
+              <a:rPr lang="ko-KR" altLang="en-US" b="1" dirty="0">
+                <a:solidFill>
+                  <a:schemeClr val="bg1"/>
+                </a:solidFill>
+              </a:rPr>
+              <a:t>분리</a:t>
+            </a:r>
+            <a:r>
+              <a:rPr lang="en-US" altLang="ko-KR" b="1" dirty="0">
+                <a:solidFill>
+                  <a:schemeClr val="bg1"/>
+                </a:solidFill>
+              </a:rPr>
+              <a:t> </a:t>
+            </a:r>
+          </a:p>
+          <a:p>
+            <a:pPr marL="285750" indent="-285750" algn="ctr">
+              <a:buFontTx/>
+              <a:buChar char="-"/>
+            </a:pPr>
+            <a:r>
+              <a:rPr lang="en-US" altLang="ko-KR" b="1" dirty="0" err="1">
+                <a:solidFill>
+                  <a:schemeClr val="bg1"/>
+                </a:solidFill>
+              </a:rPr>
+              <a:t>gridsearchCV</a:t>
+            </a:r>
+            <a:r>
+              <a:rPr lang="ko-KR" altLang="en-US" b="1" dirty="0">
+                <a:solidFill>
+                  <a:schemeClr val="bg1"/>
+                </a:solidFill>
+              </a:rPr>
+              <a:t> 통한 최적의 </a:t>
+            </a:r>
+            <a:r>
+              <a:rPr lang="ko-KR" altLang="en-US" b="1" dirty="0" err="1">
+                <a:solidFill>
+                  <a:schemeClr val="bg1"/>
+                </a:solidFill>
+              </a:rPr>
+              <a:t>하이퍼</a:t>
+            </a:r>
+            <a:r>
+              <a:rPr lang="ko-KR" altLang="en-US" b="1" dirty="0">
+                <a:solidFill>
+                  <a:schemeClr val="bg1"/>
+                </a:solidFill>
+              </a:rPr>
+              <a:t> 파라미터 </a:t>
+            </a:r>
+            <a:r>
+              <a:rPr lang="ko-KR" altLang="en-US" b="1" dirty="0" err="1">
+                <a:solidFill>
+                  <a:schemeClr val="bg1"/>
+                </a:solidFill>
+              </a:rPr>
+              <a:t>서치</a:t>
+            </a:r>
+            <a:endParaRPr lang="ko-KR" altLang="en-US" b="1" dirty="0">
+              <a:solidFill>
+                <a:schemeClr val="bg1"/>
+              </a:solidFill>
+            </a:endParaRPr>
+          </a:p>
+          <a:p>
+            <a:pPr marL="285750" indent="-285750" algn="ctr">
+              <a:buFontTx/>
+              <a:buChar char="-"/>
+            </a:pPr>
+            <a:r>
+              <a:rPr lang="ko-KR" altLang="en-US" b="1" dirty="0">
+                <a:solidFill>
+                  <a:schemeClr val="bg1"/>
+                </a:solidFill>
+              </a:rPr>
+              <a:t>테스트 결과 </a:t>
+            </a:r>
+            <a:r>
+              <a:rPr lang="en-US" altLang="ko-KR" b="1" dirty="0">
+                <a:solidFill>
+                  <a:schemeClr val="bg1"/>
+                </a:solidFill>
+              </a:rPr>
+              <a:t>(r2</a:t>
+            </a:r>
+            <a:r>
+              <a:rPr lang="ko-KR" altLang="en-US" b="1" dirty="0">
+                <a:solidFill>
+                  <a:schemeClr val="bg1"/>
+                </a:solidFill>
+              </a:rPr>
+              <a:t> </a:t>
+            </a:r>
+            <a:r>
+              <a:rPr lang="en-US" altLang="ko-KR" b="1" dirty="0">
+                <a:solidFill>
+                  <a:schemeClr val="bg1"/>
+                </a:solidFill>
+              </a:rPr>
+              <a:t>score) </a:t>
+            </a:r>
+            <a:r>
+              <a:rPr lang="ko-KR" altLang="en-US" b="1" dirty="0">
+                <a:solidFill>
+                  <a:schemeClr val="bg1"/>
+                </a:solidFill>
+              </a:rPr>
+              <a:t>시각화</a:t>
+            </a:r>
+            <a:endParaRPr lang="en-US" altLang="ko-KR" b="1" dirty="0">
+              <a:solidFill>
+                <a:schemeClr val="bg1"/>
+              </a:solidFill>
+            </a:endParaRPr>
+          </a:p>
+        </p:txBody>
+      </p:sp>
+      <p:sp>
+        <p:nvSpPr>
+          <p:cNvPr id="13" name="TextBox 12">
+            <a:extLst>
+              <a:ext uri="{FF2B5EF4-FFF2-40B4-BE49-F238E27FC236}">
+                <a16:creationId xmlns:a16="http://schemas.microsoft.com/office/drawing/2014/main" id="{AD23CF0F-8E33-FE47-84BE-F8AFAC2FB1E9}"/>
+              </a:ext>
+            </a:extLst>
+          </p:cNvPr>
+          <p:cNvSpPr txBox="1"/>
+          <p:nvPr/>
+        </p:nvSpPr>
+        <p:spPr>
+          <a:xfrm>
+            <a:off x="4856223" y="230180"/>
+            <a:ext cx="4463623" cy="1200329"/>
+          </a:xfrm>
+          <a:prstGeom prst="rect">
+            <a:avLst/>
+          </a:prstGeom>
+        </p:spPr>
+        <p:style>
+          <a:lnRef idx="1">
+            <a:schemeClr val="accent4"/>
+          </a:lnRef>
+          <a:fillRef idx="3">
+            <a:schemeClr val="accent4"/>
+          </a:fillRef>
+          <a:effectRef idx="2">
+            <a:schemeClr val="accent4"/>
+          </a:effectRef>
+          <a:fontRef idx="minor">
+            <a:schemeClr val="lt1"/>
+          </a:fontRef>
+        </p:style>
+        <p:txBody>
+          <a:bodyPr wrap="square" rtlCol="0">
+            <a:spAutoFit/>
+          </a:bodyPr>
+          <a:lstStyle/>
+          <a:p>
+            <a:pPr algn="ctr"/>
+            <a:r>
+              <a:rPr lang="en-US" altLang="ko-KR" b="1" dirty="0">
+                <a:solidFill>
+                  <a:schemeClr val="tx1"/>
+                </a:solidFill>
+              </a:rPr>
+              <a:t>R2  Score </a:t>
+            </a:r>
+            <a:r>
+              <a:rPr lang="ko-KR" altLang="en-US" b="1" dirty="0">
+                <a:solidFill>
+                  <a:schemeClr val="tx1"/>
+                </a:solidFill>
+              </a:rPr>
+              <a:t>란</a:t>
+            </a:r>
+            <a:r>
+              <a:rPr lang="en-US" altLang="ko-KR" b="1" dirty="0">
+                <a:solidFill>
+                  <a:schemeClr val="tx1"/>
+                </a:solidFill>
+              </a:rPr>
+              <a:t>?</a:t>
+            </a:r>
+          </a:p>
+          <a:p>
+            <a:pPr algn="ctr"/>
+            <a:r>
+              <a:rPr lang="en-US" altLang="ko-KR" dirty="0">
+                <a:solidFill>
+                  <a:schemeClr val="tx1"/>
+                </a:solidFill>
+              </a:rPr>
+              <a:t>R-squared</a:t>
+            </a:r>
+            <a:r>
+              <a:rPr lang="ko-KR" altLang="en-US" dirty="0">
+                <a:solidFill>
+                  <a:schemeClr val="tx1"/>
+                </a:solidFill>
+              </a:rPr>
+              <a:t>는 연구에 사용된 독립변수가 얼마나 적합한지 판단할 때 사용하는 식</a:t>
+            </a:r>
+            <a:endParaRPr lang="en-US" altLang="ko-KR" dirty="0">
+              <a:solidFill>
+                <a:schemeClr val="tx1"/>
+              </a:solidFill>
+            </a:endParaRPr>
+          </a:p>
+          <a:p>
+            <a:pPr algn="ctr"/>
+            <a:endParaRPr lang="en-US" altLang="ko-KR" b="1" dirty="0">
+              <a:solidFill>
+                <a:schemeClr val="tx1"/>
+              </a:solidFill>
+            </a:endParaRPr>
+          </a:p>
+        </p:txBody>
+      </p:sp>
+      <p:pic>
+        <p:nvPicPr>
+          <p:cNvPr id="3" name="그림 2">
+            <a:extLst>
+              <a:ext uri="{FF2B5EF4-FFF2-40B4-BE49-F238E27FC236}">
+                <a16:creationId xmlns:a16="http://schemas.microsoft.com/office/drawing/2014/main" id="{C285D5DA-2B5F-4BBA-B30C-36C75E2E9783}"/>
+              </a:ext>
+            </a:extLst>
+          </p:cNvPr>
+          <p:cNvPicPr>
+            <a:picLocks noChangeAspect="1"/>
+          </p:cNvPicPr>
+          <p:nvPr/>
+        </p:nvPicPr>
+        <p:blipFill>
+          <a:blip r:embed="rId2">
+            <a:extLst>
+              <a:ext uri="{28A0092B-C50C-407E-A947-70E740481C1C}">
+                <a14:useLocalDpi xmlns:a14="http://schemas.microsoft.com/office/drawing/2010/main" val="0"/>
+              </a:ext>
+            </a:extLst>
+          </a:blip>
+          <a:stretch>
+            <a:fillRect/>
+          </a:stretch>
+        </p:blipFill>
+        <p:spPr>
+          <a:xfrm>
+            <a:off x="565140" y="1925065"/>
+            <a:ext cx="10923475" cy="4586094"/>
+          </a:xfrm>
+          <a:prstGeom prst="rect">
+            <a:avLst/>
+          </a:prstGeom>
+        </p:spPr>
+      </p:pic>
+      <p:pic>
+        <p:nvPicPr>
+          <p:cNvPr id="4" name="그림 3">
+            <a:extLst>
+              <a:ext uri="{FF2B5EF4-FFF2-40B4-BE49-F238E27FC236}">
+                <a16:creationId xmlns:a16="http://schemas.microsoft.com/office/drawing/2014/main" id="{976B10B0-88C0-4070-B71E-B473E0DB74ED}"/>
+              </a:ext>
+            </a:extLst>
+          </p:cNvPr>
+          <p:cNvPicPr>
+            <a:picLocks noChangeAspect="1"/>
+          </p:cNvPicPr>
+          <p:nvPr/>
+        </p:nvPicPr>
+        <p:blipFill>
+          <a:blip r:embed="rId3"/>
+          <a:stretch>
+            <a:fillRect/>
+          </a:stretch>
+        </p:blipFill>
+        <p:spPr>
+          <a:xfrm>
+            <a:off x="7443421" y="1480394"/>
+            <a:ext cx="1876425" cy="444671"/>
+          </a:xfrm>
+          <a:prstGeom prst="rect">
+            <a:avLst/>
+          </a:prstGeom>
+        </p:spPr>
+      </p:pic>
+    </p:spTree>
+    <p:extLst>
+      <p:ext uri="{BB962C8B-B14F-4D97-AF65-F5344CB8AC3E}">
+        <p14:creationId xmlns:p14="http://schemas.microsoft.com/office/powerpoint/2010/main" val="1060823050"/>
       </p:ext>
     </p:extLst>
   </p:cSld>
